--- a/CSCE689-23/L15.pptx
+++ b/CSCE689-23/L15.pptx
@@ -5,7 +5,7 @@
     <p:sldMasterId id="2147483648" r:id="rId1"/>
   </p:sldMasterIdLst>
   <p:notesMasterIdLst>
-    <p:notesMasterId r:id="rId70"/>
+    <p:notesMasterId r:id="rId72"/>
   </p:notesMasterIdLst>
   <p:sldIdLst>
     <p:sldId id="861" r:id="rId2"/>
@@ -73,9 +73,11 @@
     <p:sldId id="1058" r:id="rId64"/>
     <p:sldId id="1059" r:id="rId65"/>
     <p:sldId id="1060" r:id="rId66"/>
-    <p:sldId id="787" r:id="rId67"/>
-    <p:sldId id="788" r:id="rId68"/>
-    <p:sldId id="504" r:id="rId69"/>
+    <p:sldId id="1062" r:id="rId67"/>
+    <p:sldId id="1063" r:id="rId68"/>
+    <p:sldId id="787" r:id="rId69"/>
+    <p:sldId id="788" r:id="rId70"/>
+    <p:sldId id="504" r:id="rId71"/>
   </p:sldIdLst>
   <p:sldSz cx="12192000" cy="6858000"/>
   <p:notesSz cx="6858000" cy="9144000"/>
@@ -264,7 +266,7 @@
           <a:p>
             <a:fld id="{34E49D31-F32B-435E-90C4-C028BF6817CE}" type="datetimeFigureOut">
               <a:rPr lang="en-US" smtClean="0"/>
-              <a:t>9/24/2023</a:t>
+              <a:t>9/25/2023</a:t>
             </a:fld>
             <a:endParaRPr lang="en-US"/>
           </a:p>
@@ -5132,7 +5134,7 @@
           <a:p>
             <a:fld id="{E2226E65-ADC9-4F29-BA00-34B3E2F9B8F0}" type="slidenum">
               <a:rPr lang="en-US" smtClean="0"/>
-              <a:t>66</a:t>
+              <a:t>68</a:t>
             </a:fld>
             <a:endParaRPr lang="en-US"/>
           </a:p>
@@ -5634,7 +5636,7 @@
           <a:p>
             <a:fld id="{646A41AE-586E-4E71-870C-F9029B25763B}" type="datetimeFigureOut">
               <a:rPr lang="en-US" smtClean="0"/>
-              <a:t>9/24/2023</a:t>
+              <a:t>9/25/2023</a:t>
             </a:fld>
             <a:endParaRPr lang="en-US"/>
           </a:p>
@@ -5832,7 +5834,7 @@
           <a:p>
             <a:fld id="{646A41AE-586E-4E71-870C-F9029B25763B}" type="datetimeFigureOut">
               <a:rPr lang="en-US" smtClean="0"/>
-              <a:t>9/24/2023</a:t>
+              <a:t>9/25/2023</a:t>
             </a:fld>
             <a:endParaRPr lang="en-US"/>
           </a:p>
@@ -6040,7 +6042,7 @@
           <a:p>
             <a:fld id="{646A41AE-586E-4E71-870C-F9029B25763B}" type="datetimeFigureOut">
               <a:rPr lang="en-US" smtClean="0"/>
-              <a:t>9/24/2023</a:t>
+              <a:t>9/25/2023</a:t>
             </a:fld>
             <a:endParaRPr lang="en-US"/>
           </a:p>
@@ -6238,7 +6240,7 @@
           <a:p>
             <a:fld id="{646A41AE-586E-4E71-870C-F9029B25763B}" type="datetimeFigureOut">
               <a:rPr lang="en-US" smtClean="0"/>
-              <a:t>9/24/2023</a:t>
+              <a:t>9/25/2023</a:t>
             </a:fld>
             <a:endParaRPr lang="en-US"/>
           </a:p>
@@ -6513,7 +6515,7 @@
           <a:p>
             <a:fld id="{646A41AE-586E-4E71-870C-F9029B25763B}" type="datetimeFigureOut">
               <a:rPr lang="en-US" smtClean="0"/>
-              <a:t>9/24/2023</a:t>
+              <a:t>9/25/2023</a:t>
             </a:fld>
             <a:endParaRPr lang="en-US"/>
           </a:p>
@@ -6778,7 +6780,7 @@
           <a:p>
             <a:fld id="{646A41AE-586E-4E71-870C-F9029B25763B}" type="datetimeFigureOut">
               <a:rPr lang="en-US" smtClean="0"/>
-              <a:t>9/24/2023</a:t>
+              <a:t>9/25/2023</a:t>
             </a:fld>
             <a:endParaRPr lang="en-US"/>
           </a:p>
@@ -7190,7 +7192,7 @@
           <a:p>
             <a:fld id="{646A41AE-586E-4E71-870C-F9029B25763B}" type="datetimeFigureOut">
               <a:rPr lang="en-US" smtClean="0"/>
-              <a:t>9/24/2023</a:t>
+              <a:t>9/25/2023</a:t>
             </a:fld>
             <a:endParaRPr lang="en-US"/>
           </a:p>
@@ -7331,7 +7333,7 @@
           <a:p>
             <a:fld id="{646A41AE-586E-4E71-870C-F9029B25763B}" type="datetimeFigureOut">
               <a:rPr lang="en-US" smtClean="0"/>
-              <a:t>9/24/2023</a:t>
+              <a:t>9/25/2023</a:t>
             </a:fld>
             <a:endParaRPr lang="en-US"/>
           </a:p>
@@ -7444,7 +7446,7 @@
           <a:p>
             <a:fld id="{646A41AE-586E-4E71-870C-F9029B25763B}" type="datetimeFigureOut">
               <a:rPr lang="en-US" smtClean="0"/>
-              <a:t>9/24/2023</a:t>
+              <a:t>9/25/2023</a:t>
             </a:fld>
             <a:endParaRPr lang="en-US"/>
           </a:p>
@@ -7755,7 +7757,7 @@
           <a:p>
             <a:fld id="{646A41AE-586E-4E71-870C-F9029B25763B}" type="datetimeFigureOut">
               <a:rPr lang="en-US" smtClean="0"/>
-              <a:t>9/24/2023</a:t>
+              <a:t>9/25/2023</a:t>
             </a:fld>
             <a:endParaRPr lang="en-US"/>
           </a:p>
@@ -8043,7 +8045,7 @@
           <a:p>
             <a:fld id="{646A41AE-586E-4E71-870C-F9029B25763B}" type="datetimeFigureOut">
               <a:rPr lang="en-US" smtClean="0"/>
-              <a:t>9/24/2023</a:t>
+              <a:t>9/25/2023</a:t>
             </a:fld>
             <a:endParaRPr lang="en-US"/>
           </a:p>
@@ -8284,7 +8286,7 @@
           <a:p>
             <a:fld id="{646A41AE-586E-4E71-870C-F9029B25763B}" type="datetimeFigureOut">
               <a:rPr lang="en-US" smtClean="0"/>
-              <a:t>9/24/2023</a:t>
+              <a:t>9/25/2023</a:t>
             </a:fld>
             <a:endParaRPr lang="en-US"/>
           </a:p>
@@ -33218,8 +33220,8 @@
           </p:sp>
         </mc:Fallback>
       </mc:AlternateContent>
-      <mc:AlternateContent xmlns:mc="http://schemas.openxmlformats.org/markup-compatibility/2006">
-        <mc:Choice xmlns:a14="http://schemas.microsoft.com/office/drawing/2010/main" Requires="a14">
+      <mc:AlternateContent xmlns:mc="http://schemas.openxmlformats.org/markup-compatibility/2006" xmlns:a14="http://schemas.microsoft.com/office/drawing/2010/main">
+        <mc:Choice Requires="a14">
           <p:sp>
             <p:nvSpPr>
               <p:cNvPr id="5" name="Content Placeholder 3">
@@ -33445,7 +33447,7 @@
             </p:txBody>
           </p:sp>
         </mc:Choice>
-        <mc:Fallback>
+        <mc:Fallback xmlns="">
           <p:sp>
             <p:nvSpPr>
               <p:cNvPr id="5" name="Content Placeholder 3">
@@ -33640,8 +33642,8 @@
           </p:sp>
         </mc:Fallback>
       </mc:AlternateContent>
-      <mc:AlternateContent xmlns:mc="http://schemas.openxmlformats.org/markup-compatibility/2006">
-        <mc:Choice xmlns:a14="http://schemas.microsoft.com/office/drawing/2010/main" Requires="a14">
+      <mc:AlternateContent xmlns:mc="http://schemas.openxmlformats.org/markup-compatibility/2006" xmlns:a14="http://schemas.microsoft.com/office/drawing/2010/main">
+        <mc:Choice Requires="a14">
           <p:sp>
             <p:nvSpPr>
               <p:cNvPr id="5" name="Content Placeholder 3">
@@ -33824,7 +33826,7 @@
                         <m:begChr m:val="["/>
                         <m:endChr m:val="]"/>
                         <m:ctrlPr>
-                          <a:rPr lang="en-US" sz="2800" b="0" i="0" smtClean="0">
+                          <a:rPr lang="en-US" sz="2800" b="0" i="1" smtClean="0">
                             <a:solidFill>
                               <a:srgbClr val="C00000"/>
                             </a:solidFill>
@@ -34068,7 +34070,7 @@
             </p:txBody>
           </p:sp>
         </mc:Choice>
-        <mc:Fallback>
+        <mc:Fallback xmlns="">
           <p:sp>
             <p:nvSpPr>
               <p:cNvPr id="5" name="Content Placeholder 3">
@@ -34263,8 +34265,8 @@
           </p:sp>
         </mc:Fallback>
       </mc:AlternateContent>
-      <mc:AlternateContent xmlns:mc="http://schemas.openxmlformats.org/markup-compatibility/2006">
-        <mc:Choice xmlns:a14="http://schemas.microsoft.com/office/drawing/2010/main" Requires="a14">
+      <mc:AlternateContent xmlns:mc="http://schemas.openxmlformats.org/markup-compatibility/2006" xmlns:a14="http://schemas.microsoft.com/office/drawing/2010/main">
+        <mc:Choice Requires="a14">
           <p:sp>
             <p:nvSpPr>
               <p:cNvPr id="5" name="Content Placeholder 3">
@@ -34701,7 +34703,7 @@
             </p:txBody>
           </p:sp>
         </mc:Choice>
-        <mc:Fallback>
+        <mc:Fallback xmlns="">
           <p:sp>
             <p:nvSpPr>
               <p:cNvPr id="5" name="Content Placeholder 3">
@@ -34896,8 +34898,8 @@
           </p:sp>
         </mc:Fallback>
       </mc:AlternateContent>
-      <mc:AlternateContent xmlns:mc="http://schemas.openxmlformats.org/markup-compatibility/2006">
-        <mc:Choice xmlns:a14="http://schemas.microsoft.com/office/drawing/2010/main" Requires="a14">
+      <mc:AlternateContent xmlns:mc="http://schemas.openxmlformats.org/markup-compatibility/2006" xmlns:a14="http://schemas.microsoft.com/office/drawing/2010/main">
+        <mc:Choice Requires="a14">
           <p:sp>
             <p:nvSpPr>
               <p:cNvPr id="5" name="Content Placeholder 3">
@@ -35388,7 +35390,7 @@
             </p:txBody>
           </p:sp>
         </mc:Choice>
-        <mc:Fallback>
+        <mc:Fallback xmlns="">
           <p:sp>
             <p:nvSpPr>
               <p:cNvPr id="5" name="Content Placeholder 3">
@@ -35432,8 +35434,8 @@
           </p:sp>
         </mc:Fallback>
       </mc:AlternateContent>
-      <mc:AlternateContent xmlns:mc="http://schemas.openxmlformats.org/markup-compatibility/2006">
-        <mc:Choice xmlns:a14="http://schemas.microsoft.com/office/drawing/2010/main" Requires="a14">
+      <mc:AlternateContent xmlns:mc="http://schemas.openxmlformats.org/markup-compatibility/2006" xmlns:a14="http://schemas.microsoft.com/office/drawing/2010/main">
+        <mc:Choice Requires="a14">
           <p:sp>
             <p:nvSpPr>
               <p:cNvPr id="4" name="TextBox 3">
@@ -35690,7 +35692,7 @@
             </p:txBody>
           </p:sp>
         </mc:Choice>
-        <mc:Fallback>
+        <mc:Fallback xmlns="">
           <p:sp>
             <p:nvSpPr>
               <p:cNvPr id="4" name="TextBox 3">
@@ -35749,6 +35751,1961 @@
 </file>
 
 <file path=ppt/slides/slide66.xml><?xml version="1.0" encoding="utf-8"?>
+<p:sld xmlns:a="http://schemas.openxmlformats.org/drawingml/2006/main" xmlns:r="http://schemas.openxmlformats.org/officeDocument/2006/relationships" xmlns:p="http://schemas.openxmlformats.org/presentationml/2006/main">
+  <p:cSld>
+    <p:spTree>
+      <p:nvGrpSpPr>
+        <p:cNvPr id="1" name=""/>
+        <p:cNvGrpSpPr/>
+        <p:nvPr/>
+      </p:nvGrpSpPr>
+      <p:grpSpPr>
+        <a:xfrm>
+          <a:off x="0" y="0"/>
+          <a:ext cx="0" cy="0"/>
+          <a:chOff x="0" y="0"/>
+          <a:chExt cx="0" cy="0"/>
+        </a:xfrm>
+      </p:grpSpPr>
+      <mc:AlternateContent xmlns:mc="http://schemas.openxmlformats.org/markup-compatibility/2006" xmlns:a14="http://schemas.microsoft.com/office/drawing/2010/main">
+        <mc:Choice Requires="a14">
+          <p:sp>
+            <p:nvSpPr>
+              <p:cNvPr id="2" name="Title 1">
+                <a:extLst>
+                  <a:ext uri="{FF2B5EF4-FFF2-40B4-BE49-F238E27FC236}">
+                    <a16:creationId xmlns:a16="http://schemas.microsoft.com/office/drawing/2014/main" id="{B17419AC-DCE6-4371-8DE2-D617E99D653D}"/>
+                  </a:ext>
+                </a:extLst>
+              </p:cNvPr>
+              <p:cNvSpPr>
+                <a:spLocks noGrp="1"/>
+              </p:cNvSpPr>
+              <p:nvPr>
+                <p:ph type="title"/>
+              </p:nvPr>
+            </p:nvSpPr>
+            <p:spPr/>
+            <p:txBody>
+              <a:bodyPr/>
+              <a:lstStyle/>
+              <a:p>
+                <a:r>
+                  <a:rPr lang="en-US" dirty="0">
+                    <a:solidFill>
+                      <a:srgbClr val="C00000"/>
+                    </a:solidFill>
+                  </a:rPr>
+                  <a:t>Distinct Elements (</a:t>
+                </a:r>
+                <a14:m>
+                  <m:oMath xmlns:m="http://schemas.openxmlformats.org/officeDocument/2006/math">
+                    <m:sSub>
+                      <m:sSubPr>
+                        <m:ctrlPr>
+                          <a:rPr lang="en-US" b="0" i="1" smtClean="0">
+                            <a:solidFill>
+                              <a:srgbClr val="C00000"/>
+                            </a:solidFill>
+                            <a:latin typeface="Cambria Math" panose="02040503050406030204" pitchFamily="18" charset="0"/>
+                          </a:rPr>
+                        </m:ctrlPr>
+                      </m:sSubPr>
+                      <m:e>
+                        <m:r>
+                          <a:rPr lang="en-US" b="0" i="1" smtClean="0">
+                            <a:solidFill>
+                              <a:srgbClr val="C00000"/>
+                            </a:solidFill>
+                            <a:latin typeface="Cambria Math" panose="02040503050406030204" pitchFamily="18" charset="0"/>
+                          </a:rPr>
+                          <m:t>𝐹</m:t>
+                        </m:r>
+                      </m:e>
+                      <m:sub>
+                        <m:r>
+                          <a:rPr lang="en-US" b="0" i="1" smtClean="0">
+                            <a:solidFill>
+                              <a:srgbClr val="C00000"/>
+                            </a:solidFill>
+                            <a:latin typeface="Cambria Math" panose="02040503050406030204" pitchFamily="18" charset="0"/>
+                          </a:rPr>
+                          <m:t>0</m:t>
+                        </m:r>
+                      </m:sub>
+                    </m:sSub>
+                  </m:oMath>
+                </a14:m>
+                <a:r>
+                  <a:rPr lang="en-US" dirty="0">
+                    <a:solidFill>
+                      <a:srgbClr val="C00000"/>
+                    </a:solidFill>
+                  </a:rPr>
+                  <a:t> Estimation)</a:t>
+                </a:r>
+              </a:p>
+            </p:txBody>
+          </p:sp>
+        </mc:Choice>
+        <mc:Fallback xmlns="">
+          <p:sp>
+            <p:nvSpPr>
+              <p:cNvPr id="2" name="Title 1">
+                <a:extLst>
+                  <a:ext uri="{FF2B5EF4-FFF2-40B4-BE49-F238E27FC236}">
+                    <a16:creationId xmlns:a16="http://schemas.microsoft.com/office/drawing/2014/main" id="{B17419AC-DCE6-4371-8DE2-D617E99D653D}"/>
+                  </a:ext>
+                </a:extLst>
+              </p:cNvPr>
+              <p:cNvSpPr>
+                <a:spLocks noGrp="1" noRot="1" noChangeAspect="1" noMove="1" noResize="1" noEditPoints="1" noAdjustHandles="1" noChangeArrowheads="1" noChangeShapeType="1" noTextEdit="1"/>
+              </p:cNvSpPr>
+              <p:nvPr>
+                <p:ph type="title"/>
+              </p:nvPr>
+            </p:nvSpPr>
+            <p:spPr>
+              <a:blipFill>
+                <a:blip r:embed="rId2"/>
+                <a:stretch>
+                  <a:fillRect l="-2377"/>
+                </a:stretch>
+              </a:blipFill>
+            </p:spPr>
+            <p:txBody>
+              <a:bodyPr/>
+              <a:lstStyle/>
+              <a:p>
+                <a:r>
+                  <a:rPr lang="en-US">
+                    <a:noFill/>
+                  </a:rPr>
+                  <a:t> </a:t>
+                </a:r>
+              </a:p>
+            </p:txBody>
+          </p:sp>
+        </mc:Fallback>
+      </mc:AlternateContent>
+      <mc:AlternateContent xmlns:mc="http://schemas.openxmlformats.org/markup-compatibility/2006">
+        <mc:Choice xmlns:a14="http://schemas.microsoft.com/office/drawing/2010/main" Requires="a14">
+          <p:sp>
+            <p:nvSpPr>
+              <p:cNvPr id="5" name="Content Placeholder 3">
+                <a:extLst>
+                  <a:ext uri="{FF2B5EF4-FFF2-40B4-BE49-F238E27FC236}">
+                    <a16:creationId xmlns:a16="http://schemas.microsoft.com/office/drawing/2014/main" id="{46EDD9D9-1338-4BC5-9D28-964A84C143C2}"/>
+                  </a:ext>
+                </a:extLst>
+              </p:cNvPr>
+              <p:cNvSpPr>
+                <a:spLocks noGrp="1"/>
+              </p:cNvSpPr>
+              <p:nvPr>
+                <p:ph idx="1"/>
+              </p:nvPr>
+            </p:nvSpPr>
+            <p:spPr>
+              <a:xfrm>
+                <a:off x="838200" y="1825625"/>
+                <a:ext cx="10515600" cy="4351338"/>
+              </a:xfrm>
+            </p:spPr>
+            <p:txBody>
+              <a:bodyPr>
+                <a:normAutofit/>
+              </a:bodyPr>
+              <a:lstStyle/>
+              <a:p>
+                <a:r>
+                  <a:rPr lang="en-US" dirty="0"/>
+                  <a:t>With probability at least </a:t>
+                </a:r>
+                <a14:m>
+                  <m:oMath xmlns:m="http://schemas.openxmlformats.org/officeDocument/2006/math">
+                    <m:f>
+                      <m:fPr>
+                        <m:ctrlPr>
+                          <a:rPr lang="en-US" b="0" i="1" smtClean="0">
+                            <a:solidFill>
+                              <a:srgbClr val="C00000"/>
+                            </a:solidFill>
+                            <a:latin typeface="Cambria Math" panose="02040503050406030204" pitchFamily="18" charset="0"/>
+                          </a:rPr>
+                        </m:ctrlPr>
+                      </m:fPr>
+                      <m:num>
+                        <m:r>
+                          <a:rPr lang="en-US" b="0" i="1" smtClean="0">
+                            <a:solidFill>
+                              <a:srgbClr val="C00000"/>
+                            </a:solidFill>
+                            <a:latin typeface="Cambria Math" panose="02040503050406030204" pitchFamily="18" charset="0"/>
+                          </a:rPr>
+                          <m:t>9</m:t>
+                        </m:r>
+                      </m:num>
+                      <m:den>
+                        <m:r>
+                          <a:rPr lang="en-US" b="0" i="1" smtClean="0">
+                            <a:solidFill>
+                              <a:srgbClr val="C00000"/>
+                            </a:solidFill>
+                            <a:latin typeface="Cambria Math" panose="02040503050406030204" pitchFamily="18" charset="0"/>
+                          </a:rPr>
+                          <m:t>10</m:t>
+                        </m:r>
+                      </m:den>
+                    </m:f>
+                  </m:oMath>
+                </a14:m>
+                <a:r>
+                  <a:rPr lang="en-US" dirty="0"/>
+                  <a:t>, </a:t>
+                </a:r>
+              </a:p>
+              <a:p>
+                <a:endParaRPr lang="en-US" dirty="0"/>
+              </a:p>
+              <a:p>
+                <a:endParaRPr lang="en-US" dirty="0"/>
+              </a:p>
+              <a:p>
+                <a:endParaRPr lang="en-US" dirty="0"/>
+              </a:p>
+              <a:p>
+                <a:r>
+                  <a:rPr lang="en-US" dirty="0"/>
+                  <a:t>Thus with probability at least </a:t>
+                </a:r>
+                <a14:m>
+                  <m:oMath xmlns:m="http://schemas.openxmlformats.org/officeDocument/2006/math">
+                    <m:f>
+                      <m:fPr>
+                        <m:ctrlPr>
+                          <a:rPr lang="en-US" b="0" i="1" smtClean="0">
+                            <a:solidFill>
+                              <a:srgbClr val="C00000"/>
+                            </a:solidFill>
+                            <a:latin typeface="Cambria Math" panose="02040503050406030204" pitchFamily="18" charset="0"/>
+                          </a:rPr>
+                        </m:ctrlPr>
+                      </m:fPr>
+                      <m:num>
+                        <m:r>
+                          <a:rPr lang="en-US" b="0" i="1" smtClean="0">
+                            <a:solidFill>
+                              <a:srgbClr val="C00000"/>
+                            </a:solidFill>
+                            <a:latin typeface="Cambria Math" panose="02040503050406030204" pitchFamily="18" charset="0"/>
+                          </a:rPr>
+                          <m:t>9</m:t>
+                        </m:r>
+                      </m:num>
+                      <m:den>
+                        <m:r>
+                          <a:rPr lang="en-US" b="0" i="1" smtClean="0">
+                            <a:solidFill>
+                              <a:srgbClr val="C00000"/>
+                            </a:solidFill>
+                            <a:latin typeface="Cambria Math" panose="02040503050406030204" pitchFamily="18" charset="0"/>
+                          </a:rPr>
+                          <m:t>10</m:t>
+                        </m:r>
+                      </m:den>
+                    </m:f>
+                  </m:oMath>
+                </a14:m>
+                <a:r>
+                  <a:rPr lang="en-US" dirty="0"/>
+                  <a:t>, </a:t>
+                </a:r>
+              </a:p>
+              <a:p>
+                <a:endParaRPr lang="en-US" dirty="0"/>
+              </a:p>
+            </p:txBody>
+          </p:sp>
+        </mc:Choice>
+        <mc:Fallback>
+          <p:sp>
+            <p:nvSpPr>
+              <p:cNvPr id="5" name="Content Placeholder 3">
+                <a:extLst>
+                  <a:ext uri="{FF2B5EF4-FFF2-40B4-BE49-F238E27FC236}">
+                    <a16:creationId xmlns:a16="http://schemas.microsoft.com/office/drawing/2014/main" id="{46EDD9D9-1338-4BC5-9D28-964A84C143C2}"/>
+                  </a:ext>
+                </a:extLst>
+              </p:cNvPr>
+              <p:cNvSpPr>
+                <a:spLocks noGrp="1" noRot="1" noChangeAspect="1" noMove="1" noResize="1" noEditPoints="1" noAdjustHandles="1" noChangeArrowheads="1" noChangeShapeType="1" noTextEdit="1"/>
+              </p:cNvSpPr>
+              <p:nvPr>
+                <p:ph idx="1"/>
+              </p:nvPr>
+            </p:nvSpPr>
+            <p:spPr>
+              <a:xfrm>
+                <a:off x="838200" y="1825625"/>
+                <a:ext cx="10515600" cy="4351338"/>
+              </a:xfrm>
+              <a:blipFill>
+                <a:blip r:embed="rId3"/>
+                <a:stretch>
+                  <a:fillRect l="-1043" t="-280"/>
+                </a:stretch>
+              </a:blipFill>
+            </p:spPr>
+            <p:txBody>
+              <a:bodyPr/>
+              <a:lstStyle/>
+              <a:p>
+                <a:r>
+                  <a:rPr lang="en-US">
+                    <a:noFill/>
+                  </a:rPr>
+                  <a:t> </a:t>
+                </a:r>
+              </a:p>
+            </p:txBody>
+          </p:sp>
+        </mc:Fallback>
+      </mc:AlternateContent>
+      <mc:AlternateContent xmlns:mc="http://schemas.openxmlformats.org/markup-compatibility/2006">
+        <mc:Choice xmlns:a14="http://schemas.microsoft.com/office/drawing/2010/main" Requires="a14">
+          <p:sp>
+            <p:nvSpPr>
+              <p:cNvPr id="4" name="TextBox 3">
+                <a:extLst>
+                  <a:ext uri="{FF2B5EF4-FFF2-40B4-BE49-F238E27FC236}">
+                    <a16:creationId xmlns:a16="http://schemas.microsoft.com/office/drawing/2014/main" id="{42AE05D7-870A-468F-9270-3BA9693A7CBE}"/>
+                  </a:ext>
+                </a:extLst>
+              </p:cNvPr>
+              <p:cNvSpPr txBox="1"/>
+              <p:nvPr/>
+            </p:nvSpPr>
+            <p:spPr>
+              <a:xfrm>
+                <a:off x="2599764" y="2688522"/>
+                <a:ext cx="6096000" cy="896143"/>
+              </a:xfrm>
+              <a:prstGeom prst="rect">
+                <a:avLst/>
+              </a:prstGeom>
+              <a:noFill/>
+            </p:spPr>
+            <p:txBody>
+              <a:bodyPr wrap="square">
+                <a:spAutoFit/>
+              </a:bodyPr>
+              <a:lstStyle/>
+              <a:p>
+                <a:pPr/>
+                <a14:m>
+                  <m:oMathPara xmlns:m="http://schemas.openxmlformats.org/officeDocument/2006/math">
+                    <m:oMathParaPr>
+                      <m:jc m:val="centerGroup"/>
+                    </m:oMathParaPr>
+                    <m:oMath xmlns:m="http://schemas.openxmlformats.org/officeDocument/2006/math">
+                      <m:f>
+                        <m:fPr>
+                          <m:ctrlPr>
+                            <a:rPr lang="en-US" sz="2800" i="1" smtClean="0">
+                              <a:solidFill>
+                                <a:srgbClr val="C00000"/>
+                              </a:solidFill>
+                              <a:latin typeface="Cambria Math" panose="02040503050406030204" pitchFamily="18" charset="0"/>
+                            </a:rPr>
+                          </m:ctrlPr>
+                        </m:fPr>
+                        <m:num>
+                          <m:r>
+                            <a:rPr lang="en-US" sz="2800" i="1">
+                              <a:solidFill>
+                                <a:srgbClr val="C00000"/>
+                              </a:solidFill>
+                              <a:latin typeface="Cambria Math" panose="02040503050406030204" pitchFamily="18" charset="0"/>
+                            </a:rPr>
+                            <m:t>𝑁</m:t>
+                          </m:r>
+                        </m:num>
+                        <m:den>
+                          <m:r>
+                            <a:rPr lang="en-US" sz="2800" i="1">
+                              <a:solidFill>
+                                <a:srgbClr val="C00000"/>
+                              </a:solidFill>
+                              <a:latin typeface="Cambria Math" panose="02040503050406030204" pitchFamily="18" charset="0"/>
+                            </a:rPr>
+                            <m:t>2</m:t>
+                          </m:r>
+                        </m:den>
+                      </m:f>
+                      <m:r>
+                        <a:rPr lang="en-US" sz="2800" b="0" i="1" smtClean="0">
+                          <a:solidFill>
+                            <a:srgbClr val="C00000"/>
+                          </a:solidFill>
+                          <a:latin typeface="Cambria Math" panose="02040503050406030204" pitchFamily="18" charset="0"/>
+                        </a:rPr>
+                        <m:t>−</m:t>
+                      </m:r>
+                      <m:r>
+                        <a:rPr lang="en-US" sz="2800" i="1">
+                          <a:solidFill>
+                            <a:srgbClr val="C00000"/>
+                          </a:solidFill>
+                          <a:latin typeface="Cambria Math" panose="02040503050406030204" pitchFamily="18" charset="0"/>
+                        </a:rPr>
+                        <m:t>100</m:t>
+                      </m:r>
+                      <m:rad>
+                        <m:radPr>
+                          <m:degHide m:val="on"/>
+                          <m:ctrlPr>
+                            <a:rPr lang="en-US" sz="2800" i="1">
+                              <a:solidFill>
+                                <a:srgbClr val="C00000"/>
+                              </a:solidFill>
+                              <a:latin typeface="Cambria Math" panose="02040503050406030204" pitchFamily="18" charset="0"/>
+                            </a:rPr>
+                          </m:ctrlPr>
+                        </m:radPr>
+                        <m:deg/>
+                        <m:e>
+                          <m:r>
+                            <a:rPr lang="en-US" sz="2800" i="1">
+                              <a:solidFill>
+                                <a:srgbClr val="C00000"/>
+                              </a:solidFill>
+                              <a:latin typeface="Cambria Math" panose="02040503050406030204" pitchFamily="18" charset="0"/>
+                            </a:rPr>
+                            <m:t>𝑁</m:t>
+                          </m:r>
+                        </m:e>
+                      </m:rad>
+                      <m:r>
+                        <a:rPr lang="en-US" sz="2800" b="0" i="1" smtClean="0">
+                          <a:solidFill>
+                            <a:srgbClr val="C00000"/>
+                          </a:solidFill>
+                          <a:latin typeface="Cambria Math" panose="02040503050406030204" pitchFamily="18" charset="0"/>
+                        </a:rPr>
+                        <m:t>≤</m:t>
+                      </m:r>
+                      <m:d>
+                        <m:dPr>
+                          <m:begChr m:val="|"/>
+                          <m:endChr m:val="|"/>
+                          <m:ctrlPr>
+                            <a:rPr lang="en-US" sz="2800" i="1" smtClean="0">
+                              <a:solidFill>
+                                <a:srgbClr val="C00000"/>
+                              </a:solidFill>
+                              <a:latin typeface="Cambria Math" panose="02040503050406030204" pitchFamily="18" charset="0"/>
+                            </a:rPr>
+                          </m:ctrlPr>
+                        </m:dPr>
+                        <m:e>
+                          <m:sSup>
+                            <m:sSupPr>
+                              <m:ctrlPr>
+                                <a:rPr lang="en-US" sz="2800" i="1">
+                                  <a:solidFill>
+                                    <a:srgbClr val="C00000"/>
+                                  </a:solidFill>
+                                  <a:latin typeface="Cambria Math" panose="02040503050406030204" pitchFamily="18" charset="0"/>
+                                </a:rPr>
+                              </m:ctrlPr>
+                            </m:sSupPr>
+                            <m:e>
+                              <m:r>
+                                <a:rPr lang="en-US" sz="2800" i="1">
+                                  <a:solidFill>
+                                    <a:srgbClr val="C00000"/>
+                                  </a:solidFill>
+                                  <a:latin typeface="Cambria Math" panose="02040503050406030204" pitchFamily="18" charset="0"/>
+                                </a:rPr>
+                                <m:t>𝑆</m:t>
+                              </m:r>
+                            </m:e>
+                            <m:sup>
+                              <m:r>
+                                <a:rPr lang="en-US" sz="2800" i="1">
+                                  <a:solidFill>
+                                    <a:srgbClr val="C00000"/>
+                                  </a:solidFill>
+                                  <a:latin typeface="Cambria Math" panose="02040503050406030204" pitchFamily="18" charset="0"/>
+                                </a:rPr>
+                                <m:t>′</m:t>
+                              </m:r>
+                            </m:sup>
+                          </m:sSup>
+                        </m:e>
+                      </m:d>
+                      <m:r>
+                        <a:rPr lang="en-US" sz="2800" b="0" i="1" smtClean="0">
+                          <a:solidFill>
+                            <a:srgbClr val="C00000"/>
+                          </a:solidFill>
+                          <a:latin typeface="Cambria Math" panose="02040503050406030204" pitchFamily="18" charset="0"/>
+                        </a:rPr>
+                        <m:t>≤</m:t>
+                      </m:r>
+                      <m:f>
+                        <m:fPr>
+                          <m:ctrlPr>
+                            <a:rPr lang="en-US" sz="2800" b="0" i="1" smtClean="0">
+                              <a:solidFill>
+                                <a:srgbClr val="C00000"/>
+                              </a:solidFill>
+                              <a:latin typeface="Cambria Math" panose="02040503050406030204" pitchFamily="18" charset="0"/>
+                            </a:rPr>
+                          </m:ctrlPr>
+                        </m:fPr>
+                        <m:num>
+                          <m:r>
+                            <a:rPr lang="en-US" sz="2800" b="0" i="1" smtClean="0">
+                              <a:solidFill>
+                                <a:srgbClr val="C00000"/>
+                              </a:solidFill>
+                              <a:latin typeface="Cambria Math" panose="02040503050406030204" pitchFamily="18" charset="0"/>
+                            </a:rPr>
+                            <m:t>𝑁</m:t>
+                          </m:r>
+                        </m:num>
+                        <m:den>
+                          <m:r>
+                            <a:rPr lang="en-US" sz="2800" b="0" i="1" smtClean="0">
+                              <a:solidFill>
+                                <a:srgbClr val="C00000"/>
+                              </a:solidFill>
+                              <a:latin typeface="Cambria Math" panose="02040503050406030204" pitchFamily="18" charset="0"/>
+                            </a:rPr>
+                            <m:t>2</m:t>
+                          </m:r>
+                        </m:den>
+                      </m:f>
+                      <m:r>
+                        <a:rPr lang="en-US" sz="2800" b="0" i="1" smtClean="0">
+                          <a:solidFill>
+                            <a:srgbClr val="C00000"/>
+                          </a:solidFill>
+                          <a:latin typeface="Cambria Math" panose="02040503050406030204" pitchFamily="18" charset="0"/>
+                        </a:rPr>
+                        <m:t>+100</m:t>
+                      </m:r>
+                      <m:rad>
+                        <m:radPr>
+                          <m:degHide m:val="on"/>
+                          <m:ctrlPr>
+                            <a:rPr lang="en-US" sz="2800" b="0" i="1" smtClean="0">
+                              <a:solidFill>
+                                <a:srgbClr val="C00000"/>
+                              </a:solidFill>
+                              <a:latin typeface="Cambria Math" panose="02040503050406030204" pitchFamily="18" charset="0"/>
+                            </a:rPr>
+                          </m:ctrlPr>
+                        </m:radPr>
+                        <m:deg/>
+                        <m:e>
+                          <m:r>
+                            <a:rPr lang="en-US" sz="2800" b="0" i="1" smtClean="0">
+                              <a:solidFill>
+                                <a:srgbClr val="C00000"/>
+                              </a:solidFill>
+                              <a:latin typeface="Cambria Math" panose="02040503050406030204" pitchFamily="18" charset="0"/>
+                            </a:rPr>
+                            <m:t>𝑁</m:t>
+                          </m:r>
+                        </m:e>
+                      </m:rad>
+                    </m:oMath>
+                  </m:oMathPara>
+                </a14:m>
+                <a:endParaRPr lang="en-US" sz="2800" dirty="0"/>
+              </a:p>
+            </p:txBody>
+          </p:sp>
+        </mc:Choice>
+        <mc:Fallback>
+          <p:sp>
+            <p:nvSpPr>
+              <p:cNvPr id="4" name="TextBox 3">
+                <a:extLst>
+                  <a:ext uri="{FF2B5EF4-FFF2-40B4-BE49-F238E27FC236}">
+                    <a16:creationId xmlns:a16="http://schemas.microsoft.com/office/drawing/2014/main" id="{42AE05D7-870A-468F-9270-3BA9693A7CBE}"/>
+                  </a:ext>
+                </a:extLst>
+              </p:cNvPr>
+              <p:cNvSpPr txBox="1">
+                <a:spLocks noRot="1" noChangeAspect="1" noMove="1" noResize="1" noEditPoints="1" noAdjustHandles="1" noChangeArrowheads="1" noChangeShapeType="1" noTextEdit="1"/>
+              </p:cNvSpPr>
+              <p:nvPr/>
+            </p:nvSpPr>
+            <p:spPr>
+              <a:xfrm>
+                <a:off x="2599764" y="2688522"/>
+                <a:ext cx="6096000" cy="896143"/>
+              </a:xfrm>
+              <a:prstGeom prst="rect">
+                <a:avLst/>
+              </a:prstGeom>
+              <a:blipFill>
+                <a:blip r:embed="rId4"/>
+                <a:stretch>
+                  <a:fillRect/>
+                </a:stretch>
+              </a:blipFill>
+            </p:spPr>
+            <p:txBody>
+              <a:bodyPr/>
+              <a:lstStyle/>
+              <a:p>
+                <a:r>
+                  <a:rPr lang="en-US">
+                    <a:noFill/>
+                  </a:rPr>
+                  <a:t> </a:t>
+                </a:r>
+              </a:p>
+            </p:txBody>
+          </p:sp>
+        </mc:Fallback>
+      </mc:AlternateContent>
+      <mc:AlternateContent xmlns:mc="http://schemas.openxmlformats.org/markup-compatibility/2006">
+        <mc:Choice xmlns:a14="http://schemas.microsoft.com/office/drawing/2010/main" Requires="a14">
+          <p:sp>
+            <p:nvSpPr>
+              <p:cNvPr id="3" name="TextBox 2">
+                <a:extLst>
+                  <a:ext uri="{FF2B5EF4-FFF2-40B4-BE49-F238E27FC236}">
+                    <a16:creationId xmlns:a16="http://schemas.microsoft.com/office/drawing/2014/main" id="{E2D11D7B-503A-A399-56F9-1FA42AB19132}"/>
+                  </a:ext>
+                </a:extLst>
+              </p:cNvPr>
+              <p:cNvSpPr txBox="1"/>
+              <p:nvPr/>
+            </p:nvSpPr>
+            <p:spPr>
+              <a:xfrm>
+                <a:off x="2599764" y="5117957"/>
+                <a:ext cx="6096000" cy="571118"/>
+              </a:xfrm>
+              <a:prstGeom prst="rect">
+                <a:avLst/>
+              </a:prstGeom>
+              <a:noFill/>
+            </p:spPr>
+            <p:txBody>
+              <a:bodyPr wrap="square">
+                <a:spAutoFit/>
+              </a:bodyPr>
+              <a:lstStyle/>
+              <a:p>
+                <a:pPr/>
+                <a14:m>
+                  <m:oMathPara xmlns:m="http://schemas.openxmlformats.org/officeDocument/2006/math">
+                    <m:oMathParaPr>
+                      <m:jc m:val="centerGroup"/>
+                    </m:oMathParaPr>
+                    <m:oMath xmlns:m="http://schemas.openxmlformats.org/officeDocument/2006/math">
+                      <m:r>
+                        <a:rPr lang="en-US" sz="2800" b="0" i="1" smtClean="0">
+                          <a:solidFill>
+                            <a:srgbClr val="C00000"/>
+                          </a:solidFill>
+                          <a:latin typeface="Cambria Math" panose="02040503050406030204" pitchFamily="18" charset="0"/>
+                        </a:rPr>
+                        <m:t>𝑁</m:t>
+                      </m:r>
+                      <m:r>
+                        <a:rPr lang="en-US" sz="2800" b="0" i="1" smtClean="0">
+                          <a:solidFill>
+                            <a:srgbClr val="C00000"/>
+                          </a:solidFill>
+                          <a:latin typeface="Cambria Math" panose="02040503050406030204" pitchFamily="18" charset="0"/>
+                        </a:rPr>
+                        <m:t>−200</m:t>
+                      </m:r>
+                      <m:rad>
+                        <m:radPr>
+                          <m:degHide m:val="on"/>
+                          <m:ctrlPr>
+                            <a:rPr lang="en-US" sz="2800" i="1">
+                              <a:solidFill>
+                                <a:srgbClr val="C00000"/>
+                              </a:solidFill>
+                              <a:latin typeface="Cambria Math" panose="02040503050406030204" pitchFamily="18" charset="0"/>
+                            </a:rPr>
+                          </m:ctrlPr>
+                        </m:radPr>
+                        <m:deg/>
+                        <m:e>
+                          <m:r>
+                            <a:rPr lang="en-US" sz="2800" i="1">
+                              <a:solidFill>
+                                <a:srgbClr val="C00000"/>
+                              </a:solidFill>
+                              <a:latin typeface="Cambria Math" panose="02040503050406030204" pitchFamily="18" charset="0"/>
+                            </a:rPr>
+                            <m:t>𝑁</m:t>
+                          </m:r>
+                        </m:e>
+                      </m:rad>
+                      <m:r>
+                        <a:rPr lang="en-US" sz="2800" b="0" i="1" smtClean="0">
+                          <a:solidFill>
+                            <a:srgbClr val="C00000"/>
+                          </a:solidFill>
+                          <a:latin typeface="Cambria Math" panose="02040503050406030204" pitchFamily="18" charset="0"/>
+                        </a:rPr>
+                        <m:t>≤</m:t>
+                      </m:r>
+                      <m:r>
+                        <a:rPr lang="en-US" sz="2800" b="0" i="1" smtClean="0">
+                          <a:solidFill>
+                            <a:srgbClr val="C00000"/>
+                          </a:solidFill>
+                          <a:latin typeface="Cambria Math" panose="02040503050406030204" pitchFamily="18" charset="0"/>
+                        </a:rPr>
+                        <m:t>2</m:t>
+                      </m:r>
+                      <m:d>
+                        <m:dPr>
+                          <m:begChr m:val="|"/>
+                          <m:endChr m:val="|"/>
+                          <m:ctrlPr>
+                            <a:rPr lang="en-US" sz="2800" i="1" smtClean="0">
+                              <a:solidFill>
+                                <a:srgbClr val="C00000"/>
+                              </a:solidFill>
+                              <a:latin typeface="Cambria Math" panose="02040503050406030204" pitchFamily="18" charset="0"/>
+                            </a:rPr>
+                          </m:ctrlPr>
+                        </m:dPr>
+                        <m:e>
+                          <m:sSup>
+                            <m:sSupPr>
+                              <m:ctrlPr>
+                                <a:rPr lang="en-US" sz="2800" i="1">
+                                  <a:solidFill>
+                                    <a:srgbClr val="C00000"/>
+                                  </a:solidFill>
+                                  <a:latin typeface="Cambria Math" panose="02040503050406030204" pitchFamily="18" charset="0"/>
+                                </a:rPr>
+                              </m:ctrlPr>
+                            </m:sSupPr>
+                            <m:e>
+                              <m:r>
+                                <a:rPr lang="en-US" sz="2800" i="1">
+                                  <a:solidFill>
+                                    <a:srgbClr val="C00000"/>
+                                  </a:solidFill>
+                                  <a:latin typeface="Cambria Math" panose="02040503050406030204" pitchFamily="18" charset="0"/>
+                                </a:rPr>
+                                <m:t>𝑆</m:t>
+                              </m:r>
+                            </m:e>
+                            <m:sup>
+                              <m:r>
+                                <a:rPr lang="en-US" sz="2800" i="1">
+                                  <a:solidFill>
+                                    <a:srgbClr val="C00000"/>
+                                  </a:solidFill>
+                                  <a:latin typeface="Cambria Math" panose="02040503050406030204" pitchFamily="18" charset="0"/>
+                                </a:rPr>
+                                <m:t>′</m:t>
+                              </m:r>
+                            </m:sup>
+                          </m:sSup>
+                        </m:e>
+                      </m:d>
+                      <m:r>
+                        <a:rPr lang="en-US" sz="2800" b="0" i="1" smtClean="0">
+                          <a:solidFill>
+                            <a:srgbClr val="C00000"/>
+                          </a:solidFill>
+                          <a:latin typeface="Cambria Math" panose="02040503050406030204" pitchFamily="18" charset="0"/>
+                        </a:rPr>
+                        <m:t>≤</m:t>
+                      </m:r>
+                      <m:r>
+                        <a:rPr lang="en-US" sz="2800" b="0" i="1" smtClean="0">
+                          <a:solidFill>
+                            <a:srgbClr val="C00000"/>
+                          </a:solidFill>
+                          <a:latin typeface="Cambria Math" panose="02040503050406030204" pitchFamily="18" charset="0"/>
+                        </a:rPr>
+                        <m:t>𝑁</m:t>
+                      </m:r>
+                      <m:r>
+                        <a:rPr lang="en-US" sz="2800" b="0" i="1" smtClean="0">
+                          <a:solidFill>
+                            <a:srgbClr val="C00000"/>
+                          </a:solidFill>
+                          <a:latin typeface="Cambria Math" panose="02040503050406030204" pitchFamily="18" charset="0"/>
+                        </a:rPr>
+                        <m:t>+</m:t>
+                      </m:r>
+                      <m:r>
+                        <a:rPr lang="en-US" sz="2800" b="0" i="1" smtClean="0">
+                          <a:solidFill>
+                            <a:srgbClr val="C00000"/>
+                          </a:solidFill>
+                          <a:latin typeface="Cambria Math" panose="02040503050406030204" pitchFamily="18" charset="0"/>
+                        </a:rPr>
+                        <m:t>2</m:t>
+                      </m:r>
+                      <m:r>
+                        <a:rPr lang="en-US" sz="2800" b="0" i="1" smtClean="0">
+                          <a:solidFill>
+                            <a:srgbClr val="C00000"/>
+                          </a:solidFill>
+                          <a:latin typeface="Cambria Math" panose="02040503050406030204" pitchFamily="18" charset="0"/>
+                        </a:rPr>
+                        <m:t>00</m:t>
+                      </m:r>
+                      <m:rad>
+                        <m:radPr>
+                          <m:degHide m:val="on"/>
+                          <m:ctrlPr>
+                            <a:rPr lang="en-US" sz="2800" b="0" i="1" smtClean="0">
+                              <a:solidFill>
+                                <a:srgbClr val="C00000"/>
+                              </a:solidFill>
+                              <a:latin typeface="Cambria Math" panose="02040503050406030204" pitchFamily="18" charset="0"/>
+                            </a:rPr>
+                          </m:ctrlPr>
+                        </m:radPr>
+                        <m:deg/>
+                        <m:e>
+                          <m:r>
+                            <a:rPr lang="en-US" sz="2800" b="0" i="1" smtClean="0">
+                              <a:solidFill>
+                                <a:srgbClr val="C00000"/>
+                              </a:solidFill>
+                              <a:latin typeface="Cambria Math" panose="02040503050406030204" pitchFamily="18" charset="0"/>
+                            </a:rPr>
+                            <m:t>𝑁</m:t>
+                          </m:r>
+                        </m:e>
+                      </m:rad>
+                    </m:oMath>
+                  </m:oMathPara>
+                </a14:m>
+                <a:endParaRPr lang="en-US" sz="2800" dirty="0"/>
+              </a:p>
+            </p:txBody>
+          </p:sp>
+        </mc:Choice>
+        <mc:Fallback>
+          <p:sp>
+            <p:nvSpPr>
+              <p:cNvPr id="3" name="TextBox 2">
+                <a:extLst>
+                  <a:ext uri="{FF2B5EF4-FFF2-40B4-BE49-F238E27FC236}">
+                    <a16:creationId xmlns:a16="http://schemas.microsoft.com/office/drawing/2014/main" id="{E2D11D7B-503A-A399-56F9-1FA42AB19132}"/>
+                  </a:ext>
+                </a:extLst>
+              </p:cNvPr>
+              <p:cNvSpPr txBox="1">
+                <a:spLocks noRot="1" noChangeAspect="1" noMove="1" noResize="1" noEditPoints="1" noAdjustHandles="1" noChangeArrowheads="1" noChangeShapeType="1" noTextEdit="1"/>
+              </p:cNvSpPr>
+              <p:nvPr/>
+            </p:nvSpPr>
+            <p:spPr>
+              <a:xfrm>
+                <a:off x="2599764" y="5117957"/>
+                <a:ext cx="6096000" cy="571118"/>
+              </a:xfrm>
+              <a:prstGeom prst="rect">
+                <a:avLst/>
+              </a:prstGeom>
+              <a:blipFill>
+                <a:blip r:embed="rId5"/>
+                <a:stretch>
+                  <a:fillRect/>
+                </a:stretch>
+              </a:blipFill>
+            </p:spPr>
+            <p:txBody>
+              <a:bodyPr/>
+              <a:lstStyle/>
+              <a:p>
+                <a:r>
+                  <a:rPr lang="en-US">
+                    <a:noFill/>
+                  </a:rPr>
+                  <a:t> </a:t>
+                </a:r>
+              </a:p>
+            </p:txBody>
+          </p:sp>
+        </mc:Fallback>
+      </mc:AlternateContent>
+    </p:spTree>
+    <p:extLst>
+      <p:ext uri="{BB962C8B-B14F-4D97-AF65-F5344CB8AC3E}">
+        <p14:creationId xmlns:p14="http://schemas.microsoft.com/office/powerpoint/2010/main" val="693359190"/>
+      </p:ext>
+    </p:extLst>
+  </p:cSld>
+  <p:clrMapOvr>
+    <a:masterClrMapping/>
+  </p:clrMapOvr>
+</p:sld>
+</file>
+
+<file path=ppt/slides/slide67.xml><?xml version="1.0" encoding="utf-8"?>
+<p:sld xmlns:a="http://schemas.openxmlformats.org/drawingml/2006/main" xmlns:r="http://schemas.openxmlformats.org/officeDocument/2006/relationships" xmlns:p="http://schemas.openxmlformats.org/presentationml/2006/main">
+  <p:cSld>
+    <p:spTree>
+      <p:nvGrpSpPr>
+        <p:cNvPr id="1" name=""/>
+        <p:cNvGrpSpPr/>
+        <p:nvPr/>
+      </p:nvGrpSpPr>
+      <p:grpSpPr>
+        <a:xfrm>
+          <a:off x="0" y="0"/>
+          <a:ext cx="0" cy="0"/>
+          <a:chOff x="0" y="0"/>
+          <a:chExt cx="0" cy="0"/>
+        </a:xfrm>
+      </p:grpSpPr>
+      <mc:AlternateContent xmlns:mc="http://schemas.openxmlformats.org/markup-compatibility/2006" xmlns:a14="http://schemas.microsoft.com/office/drawing/2010/main">
+        <mc:Choice Requires="a14">
+          <p:sp>
+            <p:nvSpPr>
+              <p:cNvPr id="2" name="Title 1">
+                <a:extLst>
+                  <a:ext uri="{FF2B5EF4-FFF2-40B4-BE49-F238E27FC236}">
+                    <a16:creationId xmlns:a16="http://schemas.microsoft.com/office/drawing/2014/main" id="{B17419AC-DCE6-4371-8DE2-D617E99D653D}"/>
+                  </a:ext>
+                </a:extLst>
+              </p:cNvPr>
+              <p:cNvSpPr>
+                <a:spLocks noGrp="1"/>
+              </p:cNvSpPr>
+              <p:nvPr>
+                <p:ph type="title"/>
+              </p:nvPr>
+            </p:nvSpPr>
+            <p:spPr/>
+            <p:txBody>
+              <a:bodyPr/>
+              <a:lstStyle/>
+              <a:p>
+                <a:r>
+                  <a:rPr lang="en-US" dirty="0">
+                    <a:solidFill>
+                      <a:srgbClr val="C00000"/>
+                    </a:solidFill>
+                  </a:rPr>
+                  <a:t>Distinct Elements (</a:t>
+                </a:r>
+                <a14:m>
+                  <m:oMath xmlns:m="http://schemas.openxmlformats.org/officeDocument/2006/math">
+                    <m:sSub>
+                      <m:sSubPr>
+                        <m:ctrlPr>
+                          <a:rPr lang="en-US" b="0" i="1" smtClean="0">
+                            <a:solidFill>
+                              <a:srgbClr val="C00000"/>
+                            </a:solidFill>
+                            <a:latin typeface="Cambria Math" panose="02040503050406030204" pitchFamily="18" charset="0"/>
+                          </a:rPr>
+                        </m:ctrlPr>
+                      </m:sSubPr>
+                      <m:e>
+                        <m:r>
+                          <a:rPr lang="en-US" b="0" i="1" smtClean="0">
+                            <a:solidFill>
+                              <a:srgbClr val="C00000"/>
+                            </a:solidFill>
+                            <a:latin typeface="Cambria Math" panose="02040503050406030204" pitchFamily="18" charset="0"/>
+                          </a:rPr>
+                          <m:t>𝐹</m:t>
+                        </m:r>
+                      </m:e>
+                      <m:sub>
+                        <m:r>
+                          <a:rPr lang="en-US" b="0" i="1" smtClean="0">
+                            <a:solidFill>
+                              <a:srgbClr val="C00000"/>
+                            </a:solidFill>
+                            <a:latin typeface="Cambria Math" panose="02040503050406030204" pitchFamily="18" charset="0"/>
+                          </a:rPr>
+                          <m:t>0</m:t>
+                        </m:r>
+                      </m:sub>
+                    </m:sSub>
+                  </m:oMath>
+                </a14:m>
+                <a:r>
+                  <a:rPr lang="en-US" dirty="0">
+                    <a:solidFill>
+                      <a:srgbClr val="C00000"/>
+                    </a:solidFill>
+                  </a:rPr>
+                  <a:t> Estimation)</a:t>
+                </a:r>
+              </a:p>
+            </p:txBody>
+          </p:sp>
+        </mc:Choice>
+        <mc:Fallback xmlns="">
+          <p:sp>
+            <p:nvSpPr>
+              <p:cNvPr id="2" name="Title 1">
+                <a:extLst>
+                  <a:ext uri="{FF2B5EF4-FFF2-40B4-BE49-F238E27FC236}">
+                    <a16:creationId xmlns:a16="http://schemas.microsoft.com/office/drawing/2014/main" id="{B17419AC-DCE6-4371-8DE2-D617E99D653D}"/>
+                  </a:ext>
+                </a:extLst>
+              </p:cNvPr>
+              <p:cNvSpPr>
+                <a:spLocks noGrp="1" noRot="1" noChangeAspect="1" noMove="1" noResize="1" noEditPoints="1" noAdjustHandles="1" noChangeArrowheads="1" noChangeShapeType="1" noTextEdit="1"/>
+              </p:cNvSpPr>
+              <p:nvPr>
+                <p:ph type="title"/>
+              </p:nvPr>
+            </p:nvSpPr>
+            <p:spPr>
+              <a:blipFill>
+                <a:blip r:embed="rId2"/>
+                <a:stretch>
+                  <a:fillRect l="-2377"/>
+                </a:stretch>
+              </a:blipFill>
+            </p:spPr>
+            <p:txBody>
+              <a:bodyPr/>
+              <a:lstStyle/>
+              <a:p>
+                <a:r>
+                  <a:rPr lang="en-US">
+                    <a:noFill/>
+                  </a:rPr>
+                  <a:t> </a:t>
+                </a:r>
+              </a:p>
+            </p:txBody>
+          </p:sp>
+        </mc:Fallback>
+      </mc:AlternateContent>
+      <mc:AlternateContent xmlns:mc="http://schemas.openxmlformats.org/markup-compatibility/2006">
+        <mc:Choice xmlns:a14="http://schemas.microsoft.com/office/drawing/2010/main" Requires="a14">
+          <p:sp>
+            <p:nvSpPr>
+              <p:cNvPr id="5" name="Content Placeholder 3">
+                <a:extLst>
+                  <a:ext uri="{FF2B5EF4-FFF2-40B4-BE49-F238E27FC236}">
+                    <a16:creationId xmlns:a16="http://schemas.microsoft.com/office/drawing/2014/main" id="{46EDD9D9-1338-4BC5-9D28-964A84C143C2}"/>
+                  </a:ext>
+                </a:extLst>
+              </p:cNvPr>
+              <p:cNvSpPr>
+                <a:spLocks noGrp="1"/>
+              </p:cNvSpPr>
+              <p:nvPr>
+                <p:ph idx="1"/>
+              </p:nvPr>
+            </p:nvSpPr>
+            <p:spPr>
+              <a:xfrm>
+                <a:off x="838200" y="1825625"/>
+                <a:ext cx="10515600" cy="4351338"/>
+              </a:xfrm>
+            </p:spPr>
+            <p:txBody>
+              <a:bodyPr>
+                <a:normAutofit/>
+              </a:bodyPr>
+              <a:lstStyle/>
+              <a:p>
+                <a:r>
+                  <a:rPr lang="en-US" dirty="0"/>
+                  <a:t>With probability at least </a:t>
+                </a:r>
+                <a14:m>
+                  <m:oMath xmlns:m="http://schemas.openxmlformats.org/officeDocument/2006/math">
+                    <m:f>
+                      <m:fPr>
+                        <m:ctrlPr>
+                          <a:rPr lang="en-US" b="0" i="1" smtClean="0">
+                            <a:solidFill>
+                              <a:srgbClr val="C00000"/>
+                            </a:solidFill>
+                            <a:latin typeface="Cambria Math" panose="02040503050406030204" pitchFamily="18" charset="0"/>
+                          </a:rPr>
+                        </m:ctrlPr>
+                      </m:fPr>
+                      <m:num>
+                        <m:r>
+                          <a:rPr lang="en-US" b="0" i="1" smtClean="0">
+                            <a:solidFill>
+                              <a:srgbClr val="C00000"/>
+                            </a:solidFill>
+                            <a:latin typeface="Cambria Math" panose="02040503050406030204" pitchFamily="18" charset="0"/>
+                          </a:rPr>
+                          <m:t>9</m:t>
+                        </m:r>
+                      </m:num>
+                      <m:den>
+                        <m:r>
+                          <a:rPr lang="en-US" b="0" i="1" smtClean="0">
+                            <a:solidFill>
+                              <a:srgbClr val="C00000"/>
+                            </a:solidFill>
+                            <a:latin typeface="Cambria Math" panose="02040503050406030204" pitchFamily="18" charset="0"/>
+                          </a:rPr>
+                          <m:t>10</m:t>
+                        </m:r>
+                      </m:den>
+                    </m:f>
+                  </m:oMath>
+                </a14:m>
+                <a:r>
+                  <a:rPr lang="en-US" dirty="0"/>
+                  <a:t>, </a:t>
+                </a:r>
+              </a:p>
+              <a:p>
+                <a:endParaRPr lang="en-US" dirty="0"/>
+              </a:p>
+              <a:p>
+                <a:endParaRPr lang="en-US" dirty="0"/>
+              </a:p>
+              <a:p>
+                <a:r>
+                  <a:rPr lang="en-US" dirty="0"/>
+                  <a:t>If </a:t>
+                </a:r>
+                <a14:m>
+                  <m:oMath xmlns:m="http://schemas.openxmlformats.org/officeDocument/2006/math">
+                    <m:r>
+                      <a:rPr lang="en-US" sz="2800" b="0" i="1" smtClean="0">
+                        <a:solidFill>
+                          <a:srgbClr val="C00000"/>
+                        </a:solidFill>
+                        <a:latin typeface="Cambria Math" panose="02040503050406030204" pitchFamily="18" charset="0"/>
+                      </a:rPr>
+                      <m:t>200</m:t>
+                    </m:r>
+                    <m:rad>
+                      <m:radPr>
+                        <m:degHide m:val="on"/>
+                        <m:ctrlPr>
+                          <a:rPr lang="en-US" sz="2800" b="0" i="1" smtClean="0">
+                            <a:solidFill>
+                              <a:srgbClr val="C00000"/>
+                            </a:solidFill>
+                            <a:latin typeface="Cambria Math" panose="02040503050406030204" pitchFamily="18" charset="0"/>
+                          </a:rPr>
+                        </m:ctrlPr>
+                      </m:radPr>
+                      <m:deg/>
+                      <m:e>
+                        <m:r>
+                          <a:rPr lang="en-US" sz="2800" b="0" i="1" smtClean="0">
+                            <a:solidFill>
+                              <a:srgbClr val="C00000"/>
+                            </a:solidFill>
+                            <a:latin typeface="Cambria Math" panose="02040503050406030204" pitchFamily="18" charset="0"/>
+                          </a:rPr>
+                          <m:t>𝑁</m:t>
+                        </m:r>
+                      </m:e>
+                    </m:rad>
+                    <m:r>
+                      <a:rPr lang="en-US" sz="2800" b="0" i="1" smtClean="0">
+                        <a:solidFill>
+                          <a:srgbClr val="C00000"/>
+                        </a:solidFill>
+                        <a:latin typeface="Cambria Math" panose="02040503050406030204" pitchFamily="18" charset="0"/>
+                      </a:rPr>
+                      <m:t>≤</m:t>
+                    </m:r>
+                    <m:f>
+                      <m:fPr>
+                        <m:ctrlPr>
+                          <a:rPr lang="en-US" sz="2800" b="0" i="1" smtClean="0">
+                            <a:solidFill>
+                              <a:srgbClr val="C00000"/>
+                            </a:solidFill>
+                            <a:latin typeface="Cambria Math" panose="02040503050406030204" pitchFamily="18" charset="0"/>
+                          </a:rPr>
+                        </m:ctrlPr>
+                      </m:fPr>
+                      <m:num>
+                        <m:r>
+                          <a:rPr lang="en-US" sz="2800" b="0" i="1" smtClean="0">
+                            <a:solidFill>
+                              <a:srgbClr val="C00000"/>
+                            </a:solidFill>
+                            <a:latin typeface="Cambria Math" panose="02040503050406030204" pitchFamily="18" charset="0"/>
+                          </a:rPr>
+                          <m:t>𝑁</m:t>
+                        </m:r>
+                      </m:num>
+                      <m:den>
+                        <m:r>
+                          <a:rPr lang="en-US" sz="2800" b="0" i="1" smtClean="0">
+                            <a:solidFill>
+                              <a:srgbClr val="C00000"/>
+                            </a:solidFill>
+                            <a:latin typeface="Cambria Math" panose="02040503050406030204" pitchFamily="18" charset="0"/>
+                          </a:rPr>
+                          <m:t>100</m:t>
+                        </m:r>
+                      </m:den>
+                    </m:f>
+                  </m:oMath>
+                </a14:m>
+                <a:r>
+                  <a:rPr lang="en-US" dirty="0"/>
+                  <a:t>, then </a:t>
+                </a:r>
+                <a14:m>
+                  <m:oMath xmlns:m="http://schemas.openxmlformats.org/officeDocument/2006/math">
+                    <m:r>
+                      <a:rPr lang="en-US" i="1">
+                        <a:solidFill>
+                          <a:srgbClr val="C00000"/>
+                        </a:solidFill>
+                        <a:latin typeface="Cambria Math" panose="02040503050406030204" pitchFamily="18" charset="0"/>
+                      </a:rPr>
+                      <m:t>𝑁</m:t>
+                    </m:r>
+                    <m:r>
+                      <a:rPr lang="en-US" i="1">
+                        <a:solidFill>
+                          <a:srgbClr val="C00000"/>
+                        </a:solidFill>
+                        <a:latin typeface="Cambria Math" panose="02040503050406030204" pitchFamily="18" charset="0"/>
+                      </a:rPr>
+                      <m:t>−200</m:t>
+                    </m:r>
+                    <m:rad>
+                      <m:radPr>
+                        <m:degHide m:val="on"/>
+                        <m:ctrlPr>
+                          <a:rPr lang="en-US" i="1">
+                            <a:solidFill>
+                              <a:srgbClr val="C00000"/>
+                            </a:solidFill>
+                            <a:latin typeface="Cambria Math" panose="02040503050406030204" pitchFamily="18" charset="0"/>
+                          </a:rPr>
+                        </m:ctrlPr>
+                      </m:radPr>
+                      <m:deg/>
+                      <m:e>
+                        <m:r>
+                          <a:rPr lang="en-US" i="1">
+                            <a:solidFill>
+                              <a:srgbClr val="C00000"/>
+                            </a:solidFill>
+                            <a:latin typeface="Cambria Math" panose="02040503050406030204" pitchFamily="18" charset="0"/>
+                          </a:rPr>
+                          <m:t>𝑁</m:t>
+                        </m:r>
+                      </m:e>
+                    </m:rad>
+                    <m:r>
+                      <a:rPr lang="en-US" i="1">
+                        <a:solidFill>
+                          <a:srgbClr val="C00000"/>
+                        </a:solidFill>
+                        <a:latin typeface="Cambria Math" panose="02040503050406030204" pitchFamily="18" charset="0"/>
+                      </a:rPr>
+                      <m:t>≤2</m:t>
+                    </m:r>
+                    <m:d>
+                      <m:dPr>
+                        <m:begChr m:val="|"/>
+                        <m:endChr m:val="|"/>
+                        <m:ctrlPr>
+                          <a:rPr lang="en-US" i="1">
+                            <a:solidFill>
+                              <a:srgbClr val="C00000"/>
+                            </a:solidFill>
+                            <a:latin typeface="Cambria Math" panose="02040503050406030204" pitchFamily="18" charset="0"/>
+                          </a:rPr>
+                        </m:ctrlPr>
+                      </m:dPr>
+                      <m:e>
+                        <m:sSup>
+                          <m:sSupPr>
+                            <m:ctrlPr>
+                              <a:rPr lang="en-US" i="1">
+                                <a:solidFill>
+                                  <a:srgbClr val="C00000"/>
+                                </a:solidFill>
+                                <a:latin typeface="Cambria Math" panose="02040503050406030204" pitchFamily="18" charset="0"/>
+                              </a:rPr>
+                            </m:ctrlPr>
+                          </m:sSupPr>
+                          <m:e>
+                            <m:r>
+                              <a:rPr lang="en-US" i="1">
+                                <a:solidFill>
+                                  <a:srgbClr val="C00000"/>
+                                </a:solidFill>
+                                <a:latin typeface="Cambria Math" panose="02040503050406030204" pitchFamily="18" charset="0"/>
+                              </a:rPr>
+                              <m:t>𝑆</m:t>
+                            </m:r>
+                          </m:e>
+                          <m:sup>
+                            <m:r>
+                              <a:rPr lang="en-US" i="1">
+                                <a:solidFill>
+                                  <a:srgbClr val="C00000"/>
+                                </a:solidFill>
+                                <a:latin typeface="Cambria Math" panose="02040503050406030204" pitchFamily="18" charset="0"/>
+                              </a:rPr>
+                              <m:t>′</m:t>
+                            </m:r>
+                          </m:sup>
+                        </m:sSup>
+                      </m:e>
+                    </m:d>
+                    <m:r>
+                      <a:rPr lang="en-US" i="1">
+                        <a:solidFill>
+                          <a:srgbClr val="C00000"/>
+                        </a:solidFill>
+                        <a:latin typeface="Cambria Math" panose="02040503050406030204" pitchFamily="18" charset="0"/>
+                      </a:rPr>
+                      <m:t>≤</m:t>
+                    </m:r>
+                    <m:r>
+                      <a:rPr lang="en-US" i="1">
+                        <a:solidFill>
+                          <a:srgbClr val="C00000"/>
+                        </a:solidFill>
+                        <a:latin typeface="Cambria Math" panose="02040503050406030204" pitchFamily="18" charset="0"/>
+                      </a:rPr>
+                      <m:t>𝑁</m:t>
+                    </m:r>
+                    <m:r>
+                      <a:rPr lang="en-US" i="1">
+                        <a:solidFill>
+                          <a:srgbClr val="C00000"/>
+                        </a:solidFill>
+                        <a:latin typeface="Cambria Math" panose="02040503050406030204" pitchFamily="18" charset="0"/>
+                      </a:rPr>
+                      <m:t>+200</m:t>
+                    </m:r>
+                    <m:rad>
+                      <m:radPr>
+                        <m:degHide m:val="on"/>
+                        <m:ctrlPr>
+                          <a:rPr lang="en-US" i="1">
+                            <a:solidFill>
+                              <a:srgbClr val="C00000"/>
+                            </a:solidFill>
+                            <a:latin typeface="Cambria Math" panose="02040503050406030204" pitchFamily="18" charset="0"/>
+                          </a:rPr>
+                        </m:ctrlPr>
+                      </m:radPr>
+                      <m:deg/>
+                      <m:e>
+                        <m:r>
+                          <a:rPr lang="en-US" i="1">
+                            <a:solidFill>
+                              <a:srgbClr val="C00000"/>
+                            </a:solidFill>
+                            <a:latin typeface="Cambria Math" panose="02040503050406030204" pitchFamily="18" charset="0"/>
+                          </a:rPr>
+                          <m:t>𝑁</m:t>
+                        </m:r>
+                      </m:e>
+                    </m:rad>
+                  </m:oMath>
+                </a14:m>
+                <a:r>
+                  <a:rPr lang="en-US" dirty="0"/>
+                  <a:t> implies</a:t>
+                </a:r>
+              </a:p>
+              <a:p>
+                <a:endParaRPr lang="en-US" dirty="0"/>
+              </a:p>
+              <a:p>
+                <a:endParaRPr lang="en-US" dirty="0"/>
+              </a:p>
+              <a:p>
+                <a:r>
+                  <a:rPr lang="en-US" dirty="0"/>
+                  <a:t>Very good approximation to </a:t>
+                </a:r>
+                <a14:m>
+                  <m:oMath xmlns:m="http://schemas.openxmlformats.org/officeDocument/2006/math">
+                    <m:r>
+                      <a:rPr lang="en-US" sz="2800" b="0" i="1" smtClean="0">
+                        <a:solidFill>
+                          <a:srgbClr val="C00000"/>
+                        </a:solidFill>
+                        <a:latin typeface="Cambria Math" panose="02040503050406030204" pitchFamily="18" charset="0"/>
+                      </a:rPr>
+                      <m:t>𝑁</m:t>
+                    </m:r>
+                  </m:oMath>
+                </a14:m>
+                <a:endParaRPr lang="en-US" dirty="0"/>
+              </a:p>
+              <a:p>
+                <a:endParaRPr lang="en-US" dirty="0"/>
+              </a:p>
+              <a:p>
+                <a:endParaRPr lang="en-US" dirty="0"/>
+              </a:p>
+              <a:p>
+                <a:pPr marL="0" indent="0">
+                  <a:buNone/>
+                </a:pPr>
+                <a:endParaRPr lang="en-US" dirty="0"/>
+              </a:p>
+            </p:txBody>
+          </p:sp>
+        </mc:Choice>
+        <mc:Fallback>
+          <p:sp>
+            <p:nvSpPr>
+              <p:cNvPr id="5" name="Content Placeholder 3">
+                <a:extLst>
+                  <a:ext uri="{FF2B5EF4-FFF2-40B4-BE49-F238E27FC236}">
+                    <a16:creationId xmlns:a16="http://schemas.microsoft.com/office/drawing/2014/main" id="{46EDD9D9-1338-4BC5-9D28-964A84C143C2}"/>
+                  </a:ext>
+                </a:extLst>
+              </p:cNvPr>
+              <p:cNvSpPr>
+                <a:spLocks noGrp="1" noRot="1" noChangeAspect="1" noMove="1" noResize="1" noEditPoints="1" noAdjustHandles="1" noChangeArrowheads="1" noChangeShapeType="1" noTextEdit="1"/>
+              </p:cNvSpPr>
+              <p:nvPr>
+                <p:ph idx="1"/>
+              </p:nvPr>
+            </p:nvSpPr>
+            <p:spPr>
+              <a:xfrm>
+                <a:off x="838200" y="1825625"/>
+                <a:ext cx="10515600" cy="4351338"/>
+              </a:xfrm>
+              <a:blipFill>
+                <a:blip r:embed="rId3"/>
+                <a:stretch>
+                  <a:fillRect l="-1043" t="-280"/>
+                </a:stretch>
+              </a:blipFill>
+            </p:spPr>
+            <p:txBody>
+              <a:bodyPr/>
+              <a:lstStyle/>
+              <a:p>
+                <a:r>
+                  <a:rPr lang="en-US">
+                    <a:noFill/>
+                  </a:rPr>
+                  <a:t> </a:t>
+                </a:r>
+              </a:p>
+            </p:txBody>
+          </p:sp>
+        </mc:Fallback>
+      </mc:AlternateContent>
+      <mc:AlternateContent xmlns:mc="http://schemas.openxmlformats.org/markup-compatibility/2006">
+        <mc:Choice xmlns:a14="http://schemas.microsoft.com/office/drawing/2010/main" Requires="a14">
+          <p:sp>
+            <p:nvSpPr>
+              <p:cNvPr id="3" name="TextBox 2">
+                <a:extLst>
+                  <a:ext uri="{FF2B5EF4-FFF2-40B4-BE49-F238E27FC236}">
+                    <a16:creationId xmlns:a16="http://schemas.microsoft.com/office/drawing/2014/main" id="{E2D11D7B-503A-A399-56F9-1FA42AB19132}"/>
+                  </a:ext>
+                </a:extLst>
+              </p:cNvPr>
+              <p:cNvSpPr txBox="1"/>
+              <p:nvPr/>
+            </p:nvSpPr>
+            <p:spPr>
+              <a:xfrm>
+                <a:off x="2474259" y="2670592"/>
+                <a:ext cx="6096000" cy="571118"/>
+              </a:xfrm>
+              <a:prstGeom prst="rect">
+                <a:avLst/>
+              </a:prstGeom>
+              <a:noFill/>
+            </p:spPr>
+            <p:txBody>
+              <a:bodyPr wrap="square">
+                <a:spAutoFit/>
+              </a:bodyPr>
+              <a:lstStyle/>
+              <a:p>
+                <a:pPr/>
+                <a14:m>
+                  <m:oMathPara xmlns:m="http://schemas.openxmlformats.org/officeDocument/2006/math">
+                    <m:oMathParaPr>
+                      <m:jc m:val="centerGroup"/>
+                    </m:oMathParaPr>
+                    <m:oMath xmlns:m="http://schemas.openxmlformats.org/officeDocument/2006/math">
+                      <m:r>
+                        <a:rPr lang="en-US" sz="2800" b="0" i="1" smtClean="0">
+                          <a:solidFill>
+                            <a:srgbClr val="C00000"/>
+                          </a:solidFill>
+                          <a:latin typeface="Cambria Math" panose="02040503050406030204" pitchFamily="18" charset="0"/>
+                        </a:rPr>
+                        <m:t>𝑁</m:t>
+                      </m:r>
+                      <m:r>
+                        <a:rPr lang="en-US" sz="2800" b="0" i="1" smtClean="0">
+                          <a:solidFill>
+                            <a:srgbClr val="C00000"/>
+                          </a:solidFill>
+                          <a:latin typeface="Cambria Math" panose="02040503050406030204" pitchFamily="18" charset="0"/>
+                        </a:rPr>
+                        <m:t>−200</m:t>
+                      </m:r>
+                      <m:rad>
+                        <m:radPr>
+                          <m:degHide m:val="on"/>
+                          <m:ctrlPr>
+                            <a:rPr lang="en-US" sz="2800" i="1">
+                              <a:solidFill>
+                                <a:srgbClr val="C00000"/>
+                              </a:solidFill>
+                              <a:latin typeface="Cambria Math" panose="02040503050406030204" pitchFamily="18" charset="0"/>
+                            </a:rPr>
+                          </m:ctrlPr>
+                        </m:radPr>
+                        <m:deg/>
+                        <m:e>
+                          <m:r>
+                            <a:rPr lang="en-US" sz="2800" i="1">
+                              <a:solidFill>
+                                <a:srgbClr val="C00000"/>
+                              </a:solidFill>
+                              <a:latin typeface="Cambria Math" panose="02040503050406030204" pitchFamily="18" charset="0"/>
+                            </a:rPr>
+                            <m:t>𝑁</m:t>
+                          </m:r>
+                        </m:e>
+                      </m:rad>
+                      <m:r>
+                        <a:rPr lang="en-US" sz="2800" b="0" i="1" smtClean="0">
+                          <a:solidFill>
+                            <a:srgbClr val="C00000"/>
+                          </a:solidFill>
+                          <a:latin typeface="Cambria Math" panose="02040503050406030204" pitchFamily="18" charset="0"/>
+                        </a:rPr>
+                        <m:t>≤</m:t>
+                      </m:r>
+                      <m:r>
+                        <a:rPr lang="en-US" sz="2800" b="0" i="1" smtClean="0">
+                          <a:solidFill>
+                            <a:srgbClr val="C00000"/>
+                          </a:solidFill>
+                          <a:latin typeface="Cambria Math" panose="02040503050406030204" pitchFamily="18" charset="0"/>
+                        </a:rPr>
+                        <m:t>2</m:t>
+                      </m:r>
+                      <m:d>
+                        <m:dPr>
+                          <m:begChr m:val="|"/>
+                          <m:endChr m:val="|"/>
+                          <m:ctrlPr>
+                            <a:rPr lang="en-US" sz="2800" i="1" smtClean="0">
+                              <a:solidFill>
+                                <a:srgbClr val="C00000"/>
+                              </a:solidFill>
+                              <a:latin typeface="Cambria Math" panose="02040503050406030204" pitchFamily="18" charset="0"/>
+                            </a:rPr>
+                          </m:ctrlPr>
+                        </m:dPr>
+                        <m:e>
+                          <m:sSup>
+                            <m:sSupPr>
+                              <m:ctrlPr>
+                                <a:rPr lang="en-US" sz="2800" i="1">
+                                  <a:solidFill>
+                                    <a:srgbClr val="C00000"/>
+                                  </a:solidFill>
+                                  <a:latin typeface="Cambria Math" panose="02040503050406030204" pitchFamily="18" charset="0"/>
+                                </a:rPr>
+                              </m:ctrlPr>
+                            </m:sSupPr>
+                            <m:e>
+                              <m:r>
+                                <a:rPr lang="en-US" sz="2800" i="1">
+                                  <a:solidFill>
+                                    <a:srgbClr val="C00000"/>
+                                  </a:solidFill>
+                                  <a:latin typeface="Cambria Math" panose="02040503050406030204" pitchFamily="18" charset="0"/>
+                                </a:rPr>
+                                <m:t>𝑆</m:t>
+                              </m:r>
+                            </m:e>
+                            <m:sup>
+                              <m:r>
+                                <a:rPr lang="en-US" sz="2800" i="1">
+                                  <a:solidFill>
+                                    <a:srgbClr val="C00000"/>
+                                  </a:solidFill>
+                                  <a:latin typeface="Cambria Math" panose="02040503050406030204" pitchFamily="18" charset="0"/>
+                                </a:rPr>
+                                <m:t>′</m:t>
+                              </m:r>
+                            </m:sup>
+                          </m:sSup>
+                        </m:e>
+                      </m:d>
+                      <m:r>
+                        <a:rPr lang="en-US" sz="2800" b="0" i="1" smtClean="0">
+                          <a:solidFill>
+                            <a:srgbClr val="C00000"/>
+                          </a:solidFill>
+                          <a:latin typeface="Cambria Math" panose="02040503050406030204" pitchFamily="18" charset="0"/>
+                        </a:rPr>
+                        <m:t>≤</m:t>
+                      </m:r>
+                      <m:r>
+                        <a:rPr lang="en-US" sz="2800" b="0" i="1" smtClean="0">
+                          <a:solidFill>
+                            <a:srgbClr val="C00000"/>
+                          </a:solidFill>
+                          <a:latin typeface="Cambria Math" panose="02040503050406030204" pitchFamily="18" charset="0"/>
+                        </a:rPr>
+                        <m:t>𝑁</m:t>
+                      </m:r>
+                      <m:r>
+                        <a:rPr lang="en-US" sz="2800" b="0" i="1" smtClean="0">
+                          <a:solidFill>
+                            <a:srgbClr val="C00000"/>
+                          </a:solidFill>
+                          <a:latin typeface="Cambria Math" panose="02040503050406030204" pitchFamily="18" charset="0"/>
+                        </a:rPr>
+                        <m:t>+</m:t>
+                      </m:r>
+                      <m:r>
+                        <a:rPr lang="en-US" sz="2800" b="0" i="1" smtClean="0">
+                          <a:solidFill>
+                            <a:srgbClr val="C00000"/>
+                          </a:solidFill>
+                          <a:latin typeface="Cambria Math" panose="02040503050406030204" pitchFamily="18" charset="0"/>
+                        </a:rPr>
+                        <m:t>2</m:t>
+                      </m:r>
+                      <m:r>
+                        <a:rPr lang="en-US" sz="2800" b="0" i="1" smtClean="0">
+                          <a:solidFill>
+                            <a:srgbClr val="C00000"/>
+                          </a:solidFill>
+                          <a:latin typeface="Cambria Math" panose="02040503050406030204" pitchFamily="18" charset="0"/>
+                        </a:rPr>
+                        <m:t>00</m:t>
+                      </m:r>
+                      <m:rad>
+                        <m:radPr>
+                          <m:degHide m:val="on"/>
+                          <m:ctrlPr>
+                            <a:rPr lang="en-US" sz="2800" b="0" i="1" smtClean="0">
+                              <a:solidFill>
+                                <a:srgbClr val="C00000"/>
+                              </a:solidFill>
+                              <a:latin typeface="Cambria Math" panose="02040503050406030204" pitchFamily="18" charset="0"/>
+                            </a:rPr>
+                          </m:ctrlPr>
+                        </m:radPr>
+                        <m:deg/>
+                        <m:e>
+                          <m:r>
+                            <a:rPr lang="en-US" sz="2800" b="0" i="1" smtClean="0">
+                              <a:solidFill>
+                                <a:srgbClr val="C00000"/>
+                              </a:solidFill>
+                              <a:latin typeface="Cambria Math" panose="02040503050406030204" pitchFamily="18" charset="0"/>
+                            </a:rPr>
+                            <m:t>𝑁</m:t>
+                          </m:r>
+                        </m:e>
+                      </m:rad>
+                    </m:oMath>
+                  </m:oMathPara>
+                </a14:m>
+                <a:endParaRPr lang="en-US" sz="2800" dirty="0"/>
+              </a:p>
+            </p:txBody>
+          </p:sp>
+        </mc:Choice>
+        <mc:Fallback>
+          <p:sp>
+            <p:nvSpPr>
+              <p:cNvPr id="3" name="TextBox 2">
+                <a:extLst>
+                  <a:ext uri="{FF2B5EF4-FFF2-40B4-BE49-F238E27FC236}">
+                    <a16:creationId xmlns:a16="http://schemas.microsoft.com/office/drawing/2014/main" id="{E2D11D7B-503A-A399-56F9-1FA42AB19132}"/>
+                  </a:ext>
+                </a:extLst>
+              </p:cNvPr>
+              <p:cNvSpPr txBox="1">
+                <a:spLocks noRot="1" noChangeAspect="1" noMove="1" noResize="1" noEditPoints="1" noAdjustHandles="1" noChangeArrowheads="1" noChangeShapeType="1" noTextEdit="1"/>
+              </p:cNvSpPr>
+              <p:nvPr/>
+            </p:nvSpPr>
+            <p:spPr>
+              <a:xfrm>
+                <a:off x="2474259" y="2670592"/>
+                <a:ext cx="6096000" cy="571118"/>
+              </a:xfrm>
+              <a:prstGeom prst="rect">
+                <a:avLst/>
+              </a:prstGeom>
+              <a:blipFill>
+                <a:blip r:embed="rId4"/>
+                <a:stretch>
+                  <a:fillRect/>
+                </a:stretch>
+              </a:blipFill>
+            </p:spPr>
+            <p:txBody>
+              <a:bodyPr/>
+              <a:lstStyle/>
+              <a:p>
+                <a:r>
+                  <a:rPr lang="en-US">
+                    <a:noFill/>
+                  </a:rPr>
+                  <a:t> </a:t>
+                </a:r>
+              </a:p>
+            </p:txBody>
+          </p:sp>
+        </mc:Fallback>
+      </mc:AlternateContent>
+      <mc:AlternateContent xmlns:mc="http://schemas.openxmlformats.org/markup-compatibility/2006">
+        <mc:Choice xmlns:a14="http://schemas.microsoft.com/office/drawing/2010/main" Requires="a14">
+          <p:sp>
+            <p:nvSpPr>
+              <p:cNvPr id="6" name="TextBox 5">
+                <a:extLst>
+                  <a:ext uri="{FF2B5EF4-FFF2-40B4-BE49-F238E27FC236}">
+                    <a16:creationId xmlns:a16="http://schemas.microsoft.com/office/drawing/2014/main" id="{70C79677-3133-0C54-EF86-99F2B31BC773}"/>
+                  </a:ext>
+                </a:extLst>
+              </p:cNvPr>
+              <p:cNvSpPr txBox="1"/>
+              <p:nvPr/>
+            </p:nvSpPr>
+            <p:spPr>
+              <a:xfrm>
+                <a:off x="2644589" y="4447726"/>
+                <a:ext cx="6096000" cy="523220"/>
+              </a:xfrm>
+              <a:prstGeom prst="rect">
+                <a:avLst/>
+              </a:prstGeom>
+              <a:noFill/>
+            </p:spPr>
+            <p:txBody>
+              <a:bodyPr wrap="square">
+                <a:spAutoFit/>
+              </a:bodyPr>
+              <a:lstStyle/>
+              <a:p>
+                <a:pPr/>
+                <a14:m>
+                  <m:oMathPara xmlns:m="http://schemas.openxmlformats.org/officeDocument/2006/math">
+                    <m:oMathParaPr>
+                      <m:jc m:val="centerGroup"/>
+                    </m:oMathParaPr>
+                    <m:oMath xmlns:m="http://schemas.openxmlformats.org/officeDocument/2006/math">
+                      <m:r>
+                        <a:rPr lang="en-US" sz="2800" b="0" i="1" smtClean="0">
+                          <a:solidFill>
+                            <a:srgbClr val="C00000"/>
+                          </a:solidFill>
+                          <a:latin typeface="Cambria Math" panose="02040503050406030204" pitchFamily="18" charset="0"/>
+                        </a:rPr>
+                        <m:t>0.99</m:t>
+                      </m:r>
+                      <m:r>
+                        <a:rPr lang="en-US" sz="2800" b="0" i="1" smtClean="0">
+                          <a:solidFill>
+                            <a:srgbClr val="C00000"/>
+                          </a:solidFill>
+                          <a:latin typeface="Cambria Math" panose="02040503050406030204" pitchFamily="18" charset="0"/>
+                        </a:rPr>
+                        <m:t>𝑁</m:t>
+                      </m:r>
+                      <m:r>
+                        <a:rPr lang="en-US" sz="2800" b="0" i="1" smtClean="0">
+                          <a:solidFill>
+                            <a:srgbClr val="C00000"/>
+                          </a:solidFill>
+                          <a:latin typeface="Cambria Math" panose="02040503050406030204" pitchFamily="18" charset="0"/>
+                        </a:rPr>
+                        <m:t>≤</m:t>
+                      </m:r>
+                      <m:r>
+                        <a:rPr lang="en-US" sz="2800" b="0" i="1" smtClean="0">
+                          <a:solidFill>
+                            <a:srgbClr val="C00000"/>
+                          </a:solidFill>
+                          <a:latin typeface="Cambria Math" panose="02040503050406030204" pitchFamily="18" charset="0"/>
+                        </a:rPr>
+                        <m:t>2</m:t>
+                      </m:r>
+                      <m:d>
+                        <m:dPr>
+                          <m:begChr m:val="|"/>
+                          <m:endChr m:val="|"/>
+                          <m:ctrlPr>
+                            <a:rPr lang="en-US" sz="2800" i="1" smtClean="0">
+                              <a:solidFill>
+                                <a:srgbClr val="C00000"/>
+                              </a:solidFill>
+                              <a:latin typeface="Cambria Math" panose="02040503050406030204" pitchFamily="18" charset="0"/>
+                            </a:rPr>
+                          </m:ctrlPr>
+                        </m:dPr>
+                        <m:e>
+                          <m:sSup>
+                            <m:sSupPr>
+                              <m:ctrlPr>
+                                <a:rPr lang="en-US" sz="2800" i="1">
+                                  <a:solidFill>
+                                    <a:srgbClr val="C00000"/>
+                                  </a:solidFill>
+                                  <a:latin typeface="Cambria Math" panose="02040503050406030204" pitchFamily="18" charset="0"/>
+                                </a:rPr>
+                              </m:ctrlPr>
+                            </m:sSupPr>
+                            <m:e>
+                              <m:r>
+                                <a:rPr lang="en-US" sz="2800" i="1">
+                                  <a:solidFill>
+                                    <a:srgbClr val="C00000"/>
+                                  </a:solidFill>
+                                  <a:latin typeface="Cambria Math" panose="02040503050406030204" pitchFamily="18" charset="0"/>
+                                </a:rPr>
+                                <m:t>𝑆</m:t>
+                              </m:r>
+                            </m:e>
+                            <m:sup>
+                              <m:r>
+                                <a:rPr lang="en-US" sz="2800" i="1">
+                                  <a:solidFill>
+                                    <a:srgbClr val="C00000"/>
+                                  </a:solidFill>
+                                  <a:latin typeface="Cambria Math" panose="02040503050406030204" pitchFamily="18" charset="0"/>
+                                </a:rPr>
+                                <m:t>′</m:t>
+                              </m:r>
+                            </m:sup>
+                          </m:sSup>
+                        </m:e>
+                      </m:d>
+                      <m:r>
+                        <a:rPr lang="en-US" sz="2800" b="0" i="1" smtClean="0">
+                          <a:solidFill>
+                            <a:srgbClr val="C00000"/>
+                          </a:solidFill>
+                          <a:latin typeface="Cambria Math" panose="02040503050406030204" pitchFamily="18" charset="0"/>
+                        </a:rPr>
+                        <m:t>≤</m:t>
+                      </m:r>
+                      <m:r>
+                        <a:rPr lang="en-US" sz="2800" b="0" i="1" smtClean="0">
+                          <a:solidFill>
+                            <a:srgbClr val="C00000"/>
+                          </a:solidFill>
+                          <a:latin typeface="Cambria Math" panose="02040503050406030204" pitchFamily="18" charset="0"/>
+                        </a:rPr>
+                        <m:t>1.01</m:t>
+                      </m:r>
+                      <m:r>
+                        <a:rPr lang="en-US" sz="2800" b="0" i="1" smtClean="0">
+                          <a:solidFill>
+                            <a:srgbClr val="C00000"/>
+                          </a:solidFill>
+                          <a:latin typeface="Cambria Math" panose="02040503050406030204" pitchFamily="18" charset="0"/>
+                        </a:rPr>
+                        <m:t>𝑁</m:t>
+                      </m:r>
+                    </m:oMath>
+                  </m:oMathPara>
+                </a14:m>
+                <a:endParaRPr lang="en-US" sz="2800" dirty="0"/>
+              </a:p>
+            </p:txBody>
+          </p:sp>
+        </mc:Choice>
+        <mc:Fallback>
+          <p:sp>
+            <p:nvSpPr>
+              <p:cNvPr id="6" name="TextBox 5">
+                <a:extLst>
+                  <a:ext uri="{FF2B5EF4-FFF2-40B4-BE49-F238E27FC236}">
+                    <a16:creationId xmlns:a16="http://schemas.microsoft.com/office/drawing/2014/main" id="{70C79677-3133-0C54-EF86-99F2B31BC773}"/>
+                  </a:ext>
+                </a:extLst>
+              </p:cNvPr>
+              <p:cNvSpPr txBox="1">
+                <a:spLocks noRot="1" noChangeAspect="1" noMove="1" noResize="1" noEditPoints="1" noAdjustHandles="1" noChangeArrowheads="1" noChangeShapeType="1" noTextEdit="1"/>
+              </p:cNvSpPr>
+              <p:nvPr/>
+            </p:nvSpPr>
+            <p:spPr>
+              <a:xfrm>
+                <a:off x="2644589" y="4447726"/>
+                <a:ext cx="6096000" cy="523220"/>
+              </a:xfrm>
+              <a:prstGeom prst="rect">
+                <a:avLst/>
+              </a:prstGeom>
+              <a:blipFill>
+                <a:blip r:embed="rId5"/>
+                <a:stretch>
+                  <a:fillRect/>
+                </a:stretch>
+              </a:blipFill>
+            </p:spPr>
+            <p:txBody>
+              <a:bodyPr/>
+              <a:lstStyle/>
+              <a:p>
+                <a:r>
+                  <a:rPr lang="en-US">
+                    <a:noFill/>
+                  </a:rPr>
+                  <a:t> </a:t>
+                </a:r>
+              </a:p>
+            </p:txBody>
+          </p:sp>
+        </mc:Fallback>
+      </mc:AlternateContent>
+    </p:spTree>
+    <p:extLst>
+      <p:ext uri="{BB962C8B-B14F-4D97-AF65-F5344CB8AC3E}">
+        <p14:creationId xmlns:p14="http://schemas.microsoft.com/office/powerpoint/2010/main" val="2006225177"/>
+      </p:ext>
+    </p:extLst>
+  </p:cSld>
+  <p:clrMapOvr>
+    <a:masterClrMapping/>
+  </p:clrMapOvr>
+</p:sld>
+</file>
+
+<file path=ppt/slides/slide68.xml><?xml version="1.0" encoding="utf-8"?>
 <p:sld xmlns:a="http://schemas.openxmlformats.org/drawingml/2006/main" xmlns:r="http://schemas.openxmlformats.org/officeDocument/2006/relationships" xmlns:p="http://schemas.openxmlformats.org/presentationml/2006/main">
   <p:cSld>
     <p:spTree>
@@ -36859,7 +38816,7 @@
 </p:sld>
 </file>
 
-<file path=ppt/slides/slide67.xml><?xml version="1.0" encoding="utf-8"?>
+<file path=ppt/slides/slide69.xml><?xml version="1.0" encoding="utf-8"?>
 <p:sld xmlns:a="http://schemas.openxmlformats.org/drawingml/2006/main" xmlns:r="http://schemas.openxmlformats.org/officeDocument/2006/relationships" xmlns:p="http://schemas.openxmlformats.org/presentationml/2006/main">
   <p:cSld>
     <p:spTree>
@@ -37846,914 +39803,6 @@
     <p:extLst>
       <p:ext uri="{BB962C8B-B14F-4D97-AF65-F5344CB8AC3E}">
         <p14:creationId xmlns:p14="http://schemas.microsoft.com/office/powerpoint/2010/main" val="595624896"/>
-      </p:ext>
-    </p:extLst>
-  </p:cSld>
-  <p:clrMapOvr>
-    <a:masterClrMapping/>
-  </p:clrMapOvr>
-</p:sld>
-</file>
-
-<file path=ppt/slides/slide68.xml><?xml version="1.0" encoding="utf-8"?>
-<p:sld xmlns:a="http://schemas.openxmlformats.org/drawingml/2006/main" xmlns:r="http://schemas.openxmlformats.org/officeDocument/2006/relationships" xmlns:p="http://schemas.openxmlformats.org/presentationml/2006/main">
-  <p:cSld>
-    <p:spTree>
-      <p:nvGrpSpPr>
-        <p:cNvPr id="1" name=""/>
-        <p:cNvGrpSpPr/>
-        <p:nvPr/>
-      </p:nvGrpSpPr>
-      <p:grpSpPr>
-        <a:xfrm>
-          <a:off x="0" y="0"/>
-          <a:ext cx="0" cy="0"/>
-          <a:chOff x="0" y="0"/>
-          <a:chExt cx="0" cy="0"/>
-        </a:xfrm>
-      </p:grpSpPr>
-      <mc:AlternateContent xmlns:mc="http://schemas.openxmlformats.org/markup-compatibility/2006" xmlns:a14="http://schemas.microsoft.com/office/drawing/2010/main">
-        <mc:Choice Requires="a14">
-          <p:sp>
-            <p:nvSpPr>
-              <p:cNvPr id="2" name="Title 1">
-                <a:extLst>
-                  <a:ext uri="{FF2B5EF4-FFF2-40B4-BE49-F238E27FC236}">
-                    <a16:creationId xmlns:a16="http://schemas.microsoft.com/office/drawing/2014/main" id="{B17419AC-DCE6-4371-8DE2-D617E99D653D}"/>
-                  </a:ext>
-                </a:extLst>
-              </p:cNvPr>
-              <p:cNvSpPr>
-                <a:spLocks noGrp="1"/>
-              </p:cNvSpPr>
-              <p:nvPr>
-                <p:ph type="title"/>
-              </p:nvPr>
-            </p:nvSpPr>
-            <p:spPr/>
-            <p:txBody>
-              <a:bodyPr/>
-              <a:lstStyle/>
-              <a:p>
-                <a:r>
-                  <a:rPr lang="en-US" dirty="0">
-                    <a:solidFill>
-                      <a:srgbClr val="C00000"/>
-                    </a:solidFill>
-                  </a:rPr>
-                  <a:t>Distinct Elements (</a:t>
-                </a:r>
-                <a14:m>
-                  <m:oMath xmlns:m="http://schemas.openxmlformats.org/officeDocument/2006/math">
-                    <m:sSub>
-                      <m:sSubPr>
-                        <m:ctrlPr>
-                          <a:rPr lang="en-US" b="0" i="1" smtClean="0">
-                            <a:solidFill>
-                              <a:srgbClr val="C00000"/>
-                            </a:solidFill>
-                            <a:latin typeface="Cambria Math" panose="02040503050406030204" pitchFamily="18" charset="0"/>
-                          </a:rPr>
-                        </m:ctrlPr>
-                      </m:sSubPr>
-                      <m:e>
-                        <m:r>
-                          <a:rPr lang="en-US" b="0" i="1" smtClean="0">
-                            <a:solidFill>
-                              <a:srgbClr val="C00000"/>
-                            </a:solidFill>
-                            <a:latin typeface="Cambria Math" panose="02040503050406030204" pitchFamily="18" charset="0"/>
-                          </a:rPr>
-                          <m:t>𝐹</m:t>
-                        </m:r>
-                      </m:e>
-                      <m:sub>
-                        <m:r>
-                          <a:rPr lang="en-US" b="0" i="1" smtClean="0">
-                            <a:solidFill>
-                              <a:srgbClr val="C00000"/>
-                            </a:solidFill>
-                            <a:latin typeface="Cambria Math" panose="02040503050406030204" pitchFamily="18" charset="0"/>
-                          </a:rPr>
-                          <m:t>0</m:t>
-                        </m:r>
-                      </m:sub>
-                    </m:sSub>
-                  </m:oMath>
-                </a14:m>
-                <a:r>
-                  <a:rPr lang="en-US" dirty="0">
-                    <a:solidFill>
-                      <a:srgbClr val="C00000"/>
-                    </a:solidFill>
-                  </a:rPr>
-                  <a:t> Estimation)</a:t>
-                </a:r>
-              </a:p>
-            </p:txBody>
-          </p:sp>
-        </mc:Choice>
-        <mc:Fallback xmlns="">
-          <p:sp>
-            <p:nvSpPr>
-              <p:cNvPr id="2" name="Title 1">
-                <a:extLst>
-                  <a:ext uri="{FF2B5EF4-FFF2-40B4-BE49-F238E27FC236}">
-                    <a16:creationId xmlns:a16="http://schemas.microsoft.com/office/drawing/2014/main" id="{B17419AC-DCE6-4371-8DE2-D617E99D653D}"/>
-                  </a:ext>
-                </a:extLst>
-              </p:cNvPr>
-              <p:cNvSpPr>
-                <a:spLocks noGrp="1" noRot="1" noChangeAspect="1" noMove="1" noResize="1" noEditPoints="1" noAdjustHandles="1" noChangeArrowheads="1" noChangeShapeType="1" noTextEdit="1"/>
-              </p:cNvSpPr>
-              <p:nvPr>
-                <p:ph type="title"/>
-              </p:nvPr>
-            </p:nvSpPr>
-            <p:spPr>
-              <a:blipFill>
-                <a:blip r:embed="rId2"/>
-                <a:stretch>
-                  <a:fillRect l="-2377"/>
-                </a:stretch>
-              </a:blipFill>
-            </p:spPr>
-            <p:txBody>
-              <a:bodyPr/>
-              <a:lstStyle/>
-              <a:p>
-                <a:r>
-                  <a:rPr lang="en-US">
-                    <a:noFill/>
-                  </a:rPr>
-                  <a:t> </a:t>
-                </a:r>
-              </a:p>
-            </p:txBody>
-          </p:sp>
-        </mc:Fallback>
-      </mc:AlternateContent>
-      <mc:AlternateContent xmlns:mc="http://schemas.openxmlformats.org/markup-compatibility/2006" xmlns:a14="http://schemas.microsoft.com/office/drawing/2010/main">
-        <mc:Choice Requires="a14">
-          <p:sp>
-            <p:nvSpPr>
-              <p:cNvPr id="5" name="Content Placeholder 3">
-                <a:extLst>
-                  <a:ext uri="{FF2B5EF4-FFF2-40B4-BE49-F238E27FC236}">
-                    <a16:creationId xmlns:a16="http://schemas.microsoft.com/office/drawing/2014/main" id="{46EDD9D9-1338-4BC5-9D28-964A84C143C2}"/>
-                  </a:ext>
-                </a:extLst>
-              </p:cNvPr>
-              <p:cNvSpPr>
-                <a:spLocks noGrp="1"/>
-              </p:cNvSpPr>
-              <p:nvPr>
-                <p:ph idx="1"/>
-              </p:nvPr>
-            </p:nvSpPr>
-            <p:spPr>
-              <a:xfrm>
-                <a:off x="838200" y="1825625"/>
-                <a:ext cx="10242755" cy="4351338"/>
-              </a:xfrm>
-            </p:spPr>
-            <p:txBody>
-              <a:bodyPr>
-                <a:normAutofit/>
-              </a:bodyPr>
-              <a:lstStyle/>
-              <a:p>
-                <a:r>
-                  <a:rPr lang="en-US" dirty="0"/>
-                  <a:t>Given a set </a:t>
-                </a:r>
-                <a14:m>
-                  <m:oMath xmlns:m="http://schemas.openxmlformats.org/officeDocument/2006/math">
-                    <m:r>
-                      <a:rPr lang="en-US" i="1" smtClean="0">
-                        <a:solidFill>
-                          <a:srgbClr val="C00000"/>
-                        </a:solidFill>
-                        <a:latin typeface="Cambria Math" panose="02040503050406030204" pitchFamily="18" charset="0"/>
-                      </a:rPr>
-                      <m:t>𝑆</m:t>
-                    </m:r>
-                  </m:oMath>
-                </a14:m>
-                <a:r>
-                  <a:rPr lang="en-US" dirty="0"/>
-                  <a:t> of </a:t>
-                </a:r>
-                <a14:m>
-                  <m:oMath xmlns:m="http://schemas.openxmlformats.org/officeDocument/2006/math">
-                    <m:r>
-                      <a:rPr lang="en-US" i="1" smtClean="0">
-                        <a:solidFill>
-                          <a:srgbClr val="C00000"/>
-                        </a:solidFill>
-                        <a:latin typeface="Cambria Math" panose="02040503050406030204" pitchFamily="18" charset="0"/>
-                      </a:rPr>
-                      <m:t>𝑚</m:t>
-                    </m:r>
-                  </m:oMath>
-                </a14:m>
-                <a:r>
-                  <a:rPr lang="en-US" dirty="0"/>
-                  <a:t> elements from </a:t>
-                </a:r>
-                <a14:m>
-                  <m:oMath xmlns:m="http://schemas.openxmlformats.org/officeDocument/2006/math">
-                    <m:r>
-                      <a:rPr lang="en-US" i="1" smtClean="0">
-                        <a:solidFill>
-                          <a:srgbClr val="C00000"/>
-                        </a:solidFill>
-                        <a:latin typeface="Cambria Math" panose="02040503050406030204" pitchFamily="18" charset="0"/>
-                      </a:rPr>
-                      <m:t>[</m:t>
-                    </m:r>
-                    <m:r>
-                      <a:rPr lang="en-US" i="1" smtClean="0">
-                        <a:solidFill>
-                          <a:srgbClr val="C00000"/>
-                        </a:solidFill>
-                        <a:latin typeface="Cambria Math" panose="02040503050406030204" pitchFamily="18" charset="0"/>
-                      </a:rPr>
-                      <m:t>𝑛</m:t>
-                    </m:r>
-                    <m:r>
-                      <a:rPr lang="en-US" i="1" smtClean="0">
-                        <a:solidFill>
-                          <a:srgbClr val="C00000"/>
-                        </a:solidFill>
-                        <a:latin typeface="Cambria Math" panose="02040503050406030204" pitchFamily="18" charset="0"/>
-                      </a:rPr>
-                      <m:t>]</m:t>
-                    </m:r>
-                  </m:oMath>
-                </a14:m>
-                <a:r>
-                  <a:rPr lang="en-US" dirty="0"/>
-                  <a:t>, let </a:t>
-                </a:r>
-                <a14:m>
-                  <m:oMath xmlns:m="http://schemas.openxmlformats.org/officeDocument/2006/math">
-                    <m:sSub>
-                      <m:sSubPr>
-                        <m:ctrlPr>
-                          <a:rPr lang="en-US" b="0" i="1" smtClean="0">
-                            <a:solidFill>
-                              <a:srgbClr val="C00000"/>
-                            </a:solidFill>
-                            <a:latin typeface="Cambria Math" panose="02040503050406030204" pitchFamily="18" charset="0"/>
-                          </a:rPr>
-                        </m:ctrlPr>
-                      </m:sSubPr>
-                      <m:e>
-                        <m:r>
-                          <a:rPr lang="en-US" b="0" i="1" smtClean="0">
-                            <a:solidFill>
-                              <a:srgbClr val="C00000"/>
-                            </a:solidFill>
-                            <a:latin typeface="Cambria Math" panose="02040503050406030204" pitchFamily="18" charset="0"/>
-                          </a:rPr>
-                          <m:t>𝑓</m:t>
-                        </m:r>
-                      </m:e>
-                      <m:sub>
-                        <m:r>
-                          <a:rPr lang="en-US" b="0" i="1" smtClean="0">
-                            <a:solidFill>
-                              <a:srgbClr val="C00000"/>
-                            </a:solidFill>
-                            <a:latin typeface="Cambria Math" panose="02040503050406030204" pitchFamily="18" charset="0"/>
-                          </a:rPr>
-                          <m:t>𝑖</m:t>
-                        </m:r>
-                      </m:sub>
-                    </m:sSub>
-                  </m:oMath>
-                </a14:m>
-                <a:r>
-                  <a:rPr lang="en-US" dirty="0">
-                    <a:solidFill>
-                      <a:srgbClr val="C00000"/>
-                    </a:solidFill>
-                  </a:rPr>
-                  <a:t> </a:t>
-                </a:r>
-                <a:r>
-                  <a:rPr lang="en-US" dirty="0">
-                    <a:solidFill>
-                      <a:schemeClr val="tx1"/>
-                    </a:solidFill>
-                  </a:rPr>
-                  <a:t>be the frequency of element </a:t>
-                </a:r>
-                <a14:m>
-                  <m:oMath xmlns:m="http://schemas.openxmlformats.org/officeDocument/2006/math">
-                    <m:r>
-                      <a:rPr lang="en-US" b="0" i="1" smtClean="0">
-                        <a:solidFill>
-                          <a:srgbClr val="C00000"/>
-                        </a:solidFill>
-                        <a:latin typeface="Cambria Math" panose="02040503050406030204" pitchFamily="18" charset="0"/>
-                      </a:rPr>
-                      <m:t>𝑖</m:t>
-                    </m:r>
-                  </m:oMath>
-                </a14:m>
-                <a:r>
-                  <a:rPr lang="en-US" dirty="0">
-                    <a:solidFill>
-                      <a:schemeClr val="tx1"/>
-                    </a:solidFill>
-                  </a:rPr>
-                  <a:t>. (How often it appears)</a:t>
-                </a:r>
-              </a:p>
-              <a:p>
-                <a:pPr>
-                  <a:buClr>
-                    <a:schemeClr val="tx1"/>
-                  </a:buClr>
-                </a:pPr>
-                <a:r>
-                  <a:rPr lang="en-US" dirty="0">
-                    <a:solidFill>
-                      <a:schemeClr val="tx1"/>
-                    </a:solidFill>
-                  </a:rPr>
-                  <a:t>Let </a:t>
-                </a:r>
-                <a14:m>
-                  <m:oMath xmlns:m="http://schemas.openxmlformats.org/officeDocument/2006/math">
-                    <m:sSub>
-                      <m:sSubPr>
-                        <m:ctrlPr>
-                          <a:rPr lang="en-US" b="0" i="1" smtClean="0">
-                            <a:solidFill>
-                              <a:srgbClr val="C00000"/>
-                            </a:solidFill>
-                            <a:latin typeface="Cambria Math" panose="02040503050406030204" pitchFamily="18" charset="0"/>
-                          </a:rPr>
-                        </m:ctrlPr>
-                      </m:sSubPr>
-                      <m:e>
-                        <m:r>
-                          <a:rPr lang="en-US" b="0" i="1" smtClean="0">
-                            <a:solidFill>
-                              <a:srgbClr val="C00000"/>
-                            </a:solidFill>
-                            <a:latin typeface="Cambria Math" panose="02040503050406030204" pitchFamily="18" charset="0"/>
-                          </a:rPr>
-                          <m:t>𝐹</m:t>
-                        </m:r>
-                      </m:e>
-                      <m:sub>
-                        <m:r>
-                          <a:rPr lang="en-US" b="0" i="1" smtClean="0">
-                            <a:solidFill>
-                              <a:srgbClr val="C00000"/>
-                            </a:solidFill>
-                            <a:latin typeface="Cambria Math" panose="02040503050406030204" pitchFamily="18" charset="0"/>
-                          </a:rPr>
-                          <m:t>0</m:t>
-                        </m:r>
-                      </m:sub>
-                    </m:sSub>
-                  </m:oMath>
-                </a14:m>
-                <a:r>
-                  <a:rPr lang="en-US" dirty="0"/>
-                  <a:t> be the frequency moment of the vector:</a:t>
-                </a:r>
-              </a:p>
-              <a:p>
-                <a:pPr lvl="1">
-                  <a:buClr>
-                    <a:schemeClr val="tx1"/>
-                  </a:buClr>
-                </a:pPr>
-                <a:endParaRPr lang="en-US" dirty="0">
-                  <a:solidFill>
-                    <a:schemeClr val="tx1"/>
-                  </a:solidFill>
-                </a:endParaRPr>
-              </a:p>
-              <a:p>
-                <a:pPr lvl="1">
-                  <a:buClr>
-                    <a:schemeClr val="tx1"/>
-                  </a:buClr>
-                </a:pPr>
-                <a:endParaRPr lang="en-US" dirty="0"/>
-              </a:p>
-              <a:p>
-                <a:pPr lvl="1">
-                  <a:buClr>
-                    <a:schemeClr val="tx1"/>
-                  </a:buClr>
-                </a:pPr>
-                <a:endParaRPr lang="en-US" dirty="0">
-                  <a:solidFill>
-                    <a:schemeClr val="tx1"/>
-                  </a:solidFill>
-                </a:endParaRPr>
-              </a:p>
-              <a:p>
-                <a:pPr>
-                  <a:buClr>
-                    <a:schemeClr val="tx1"/>
-                  </a:buClr>
-                </a:pPr>
-                <a:r>
-                  <a:rPr lang="en-US" dirty="0">
-                    <a:solidFill>
-                      <a:srgbClr val="00B050"/>
-                    </a:solidFill>
-                  </a:rPr>
-                  <a:t>Goal</a:t>
-                </a:r>
-                <a:r>
-                  <a:rPr lang="en-US" dirty="0"/>
-                  <a:t>: </a:t>
-                </a:r>
-                <a:r>
-                  <a:rPr lang="en-US" dirty="0">
-                    <a:solidFill>
-                      <a:schemeClr val="tx1"/>
-                    </a:solidFill>
-                  </a:rPr>
-                  <a:t>Given a set </a:t>
-                </a:r>
-                <a14:m>
-                  <m:oMath xmlns:m="http://schemas.openxmlformats.org/officeDocument/2006/math">
-                    <m:r>
-                      <a:rPr lang="en-US" b="0" i="1" smtClean="0">
-                        <a:solidFill>
-                          <a:srgbClr val="C00000"/>
-                        </a:solidFill>
-                        <a:latin typeface="Cambria Math" panose="02040503050406030204" pitchFamily="18" charset="0"/>
-                      </a:rPr>
-                      <m:t>𝑆</m:t>
-                    </m:r>
-                  </m:oMath>
-                </a14:m>
-                <a:r>
-                  <a:rPr lang="en-US" dirty="0">
-                    <a:solidFill>
-                      <a:schemeClr val="tx1"/>
-                    </a:solidFill>
-                  </a:rPr>
-                  <a:t> of </a:t>
-                </a:r>
-                <a14:m>
-                  <m:oMath xmlns:m="http://schemas.openxmlformats.org/officeDocument/2006/math">
-                    <m:r>
-                      <a:rPr lang="en-US" b="0" i="1" smtClean="0">
-                        <a:solidFill>
-                          <a:srgbClr val="C00000"/>
-                        </a:solidFill>
-                        <a:latin typeface="Cambria Math" panose="02040503050406030204" pitchFamily="18" charset="0"/>
-                      </a:rPr>
-                      <m:t>𝑚</m:t>
-                    </m:r>
-                  </m:oMath>
-                </a14:m>
-                <a:r>
-                  <a:rPr lang="en-US" dirty="0">
-                    <a:solidFill>
-                      <a:schemeClr val="tx1"/>
-                    </a:solidFill>
-                  </a:rPr>
-                  <a:t> elements from </a:t>
-                </a:r>
-                <a14:m>
-                  <m:oMath xmlns:m="http://schemas.openxmlformats.org/officeDocument/2006/math">
-                    <m:r>
-                      <a:rPr lang="en-US" b="0" i="1" smtClean="0">
-                        <a:solidFill>
-                          <a:srgbClr val="C00000"/>
-                        </a:solidFill>
-                        <a:latin typeface="Cambria Math" panose="02040503050406030204" pitchFamily="18" charset="0"/>
-                      </a:rPr>
-                      <m:t>[</m:t>
-                    </m:r>
-                    <m:r>
-                      <a:rPr lang="en-US" b="0" i="1" smtClean="0">
-                        <a:solidFill>
-                          <a:srgbClr val="C00000"/>
-                        </a:solidFill>
-                        <a:latin typeface="Cambria Math" panose="02040503050406030204" pitchFamily="18" charset="0"/>
-                      </a:rPr>
-                      <m:t>𝑛</m:t>
-                    </m:r>
-                    <m:r>
-                      <a:rPr lang="en-US" b="0" i="1" smtClean="0">
-                        <a:solidFill>
-                          <a:srgbClr val="C00000"/>
-                        </a:solidFill>
-                        <a:latin typeface="Cambria Math" panose="02040503050406030204" pitchFamily="18" charset="0"/>
-                      </a:rPr>
-                      <m:t>]</m:t>
-                    </m:r>
-                  </m:oMath>
-                </a14:m>
-                <a:r>
-                  <a:rPr lang="en-US" dirty="0">
-                    <a:solidFill>
-                      <a:srgbClr val="C00000"/>
-                    </a:solidFill>
-                  </a:rPr>
-                  <a:t> </a:t>
-                </a:r>
-                <a:r>
-                  <a:rPr lang="en-US" dirty="0">
-                    <a:solidFill>
-                      <a:schemeClr val="tx1"/>
-                    </a:solidFill>
-                  </a:rPr>
-                  <a:t>and an accuracy parameter </a:t>
-                </a:r>
-                <a14:m>
-                  <m:oMath xmlns:m="http://schemas.openxmlformats.org/officeDocument/2006/math">
-                    <m:r>
-                      <a:rPr lang="en-US" b="0" i="1" smtClean="0">
-                        <a:solidFill>
-                          <a:srgbClr val="C00000"/>
-                        </a:solidFill>
-                        <a:latin typeface="Cambria Math" panose="02040503050406030204" pitchFamily="18" charset="0"/>
-                      </a:rPr>
-                      <m:t>𝜀</m:t>
-                    </m:r>
-                  </m:oMath>
-                </a14:m>
-                <a:r>
-                  <a:rPr lang="en-US" dirty="0">
-                    <a:solidFill>
-                      <a:schemeClr val="tx1"/>
-                    </a:solidFill>
-                  </a:rPr>
-                  <a:t>, output a </a:t>
-                </a:r>
-                <a14:m>
-                  <m:oMath xmlns:m="http://schemas.openxmlformats.org/officeDocument/2006/math">
-                    <m:r>
-                      <a:rPr lang="en-US" b="0" i="0" smtClean="0">
-                        <a:solidFill>
-                          <a:srgbClr val="C00000"/>
-                        </a:solidFill>
-                        <a:latin typeface="Cambria Math" panose="02040503050406030204" pitchFamily="18" charset="0"/>
-                      </a:rPr>
-                      <m:t>(1+</m:t>
-                    </m:r>
-                    <m:r>
-                      <a:rPr lang="en-US" i="1" smtClean="0">
-                        <a:solidFill>
-                          <a:srgbClr val="C00000"/>
-                        </a:solidFill>
-                        <a:latin typeface="Cambria Math" panose="02040503050406030204" pitchFamily="18" charset="0"/>
-                      </a:rPr>
-                      <m:t>𝜀</m:t>
-                    </m:r>
-                    <m:r>
-                      <a:rPr lang="en-US" b="0" i="1" smtClean="0">
-                        <a:solidFill>
-                          <a:srgbClr val="C00000"/>
-                        </a:solidFill>
-                        <a:latin typeface="Cambria Math" panose="02040503050406030204" pitchFamily="18" charset="0"/>
-                      </a:rPr>
-                      <m:t>)</m:t>
-                    </m:r>
-                  </m:oMath>
-                </a14:m>
-                <a:r>
-                  <a:rPr lang="en-US" dirty="0">
-                    <a:solidFill>
-                      <a:schemeClr val="tx1"/>
-                    </a:solidFill>
-                  </a:rPr>
-                  <a:t>-approximation to </a:t>
-                </a:r>
-                <a14:m>
-                  <m:oMath xmlns:m="http://schemas.openxmlformats.org/officeDocument/2006/math">
-                    <m:sSub>
-                      <m:sSubPr>
-                        <m:ctrlPr>
-                          <a:rPr lang="en-US" i="1">
-                            <a:solidFill>
-                              <a:srgbClr val="C00000"/>
-                            </a:solidFill>
-                            <a:latin typeface="Cambria Math" panose="02040503050406030204" pitchFamily="18" charset="0"/>
-                          </a:rPr>
-                        </m:ctrlPr>
-                      </m:sSubPr>
-                      <m:e>
-                        <m:r>
-                          <a:rPr lang="en-US" i="1">
-                            <a:solidFill>
-                              <a:srgbClr val="C00000"/>
-                            </a:solidFill>
-                            <a:latin typeface="Cambria Math" panose="02040503050406030204" pitchFamily="18" charset="0"/>
-                          </a:rPr>
-                          <m:t>𝐹</m:t>
-                        </m:r>
-                      </m:e>
-                      <m:sub>
-                        <m:r>
-                          <a:rPr lang="en-US" b="0" i="1" smtClean="0">
-                            <a:solidFill>
-                              <a:srgbClr val="C00000"/>
-                            </a:solidFill>
-                            <a:latin typeface="Cambria Math" panose="02040503050406030204" pitchFamily="18" charset="0"/>
-                          </a:rPr>
-                          <m:t>0</m:t>
-                        </m:r>
-                      </m:sub>
-                    </m:sSub>
-                  </m:oMath>
-                </a14:m>
-                <a:endParaRPr lang="en-US" dirty="0"/>
-              </a:p>
-              <a:p>
-                <a:pPr>
-                  <a:buClr>
-                    <a:schemeClr val="tx1"/>
-                  </a:buClr>
-                </a:pPr>
-                <a:r>
-                  <a:rPr lang="en-US" dirty="0">
-                    <a:solidFill>
-                      <a:srgbClr val="00B050"/>
-                    </a:solidFill>
-                  </a:rPr>
-                  <a:t>Motivation</a:t>
-                </a:r>
-                <a:r>
-                  <a:rPr lang="en-US" dirty="0"/>
-                  <a:t>: Traffic monitoring</a:t>
-                </a:r>
-              </a:p>
-            </p:txBody>
-          </p:sp>
-        </mc:Choice>
-        <mc:Fallback xmlns="">
-          <p:sp>
-            <p:nvSpPr>
-              <p:cNvPr id="5" name="Content Placeholder 3">
-                <a:extLst>
-                  <a:ext uri="{FF2B5EF4-FFF2-40B4-BE49-F238E27FC236}">
-                    <a16:creationId xmlns:a16="http://schemas.microsoft.com/office/drawing/2014/main" id="{46EDD9D9-1338-4BC5-9D28-964A84C143C2}"/>
-                  </a:ext>
-                </a:extLst>
-              </p:cNvPr>
-              <p:cNvSpPr>
-                <a:spLocks noGrp="1" noRot="1" noChangeAspect="1" noMove="1" noResize="1" noEditPoints="1" noAdjustHandles="1" noChangeArrowheads="1" noChangeShapeType="1" noTextEdit="1"/>
-              </p:cNvSpPr>
-              <p:nvPr>
-                <p:ph idx="1"/>
-              </p:nvPr>
-            </p:nvSpPr>
-            <p:spPr>
-              <a:xfrm>
-                <a:off x="838200" y="1825625"/>
-                <a:ext cx="10242755" cy="4351338"/>
-              </a:xfrm>
-              <a:blipFill>
-                <a:blip r:embed="rId3"/>
-                <a:stretch>
-                  <a:fillRect l="-1071" t="-2241"/>
-                </a:stretch>
-              </a:blipFill>
-            </p:spPr>
-            <p:txBody>
-              <a:bodyPr/>
-              <a:lstStyle/>
-              <a:p>
-                <a:r>
-                  <a:rPr lang="en-US">
-                    <a:noFill/>
-                  </a:rPr>
-                  <a:t> </a:t>
-                </a:r>
-              </a:p>
-            </p:txBody>
-          </p:sp>
-        </mc:Fallback>
-      </mc:AlternateContent>
-      <mc:AlternateContent xmlns:mc="http://schemas.openxmlformats.org/markup-compatibility/2006" xmlns:a14="http://schemas.microsoft.com/office/drawing/2010/main">
-        <mc:Choice Requires="a14">
-          <p:sp>
-            <p:nvSpPr>
-              <p:cNvPr id="6" name="Rectangle 5">
-                <a:extLst>
-                  <a:ext uri="{FF2B5EF4-FFF2-40B4-BE49-F238E27FC236}">
-                    <a16:creationId xmlns:a16="http://schemas.microsoft.com/office/drawing/2014/main" id="{B2FD8736-F162-41C2-9CE0-9BF3ADDC3736}"/>
-                  </a:ext>
-                </a:extLst>
-              </p:cNvPr>
-              <p:cNvSpPr/>
-              <p:nvPr/>
-            </p:nvSpPr>
-            <p:spPr>
-              <a:xfrm>
-                <a:off x="3842774" y="3314798"/>
-                <a:ext cx="6253315" cy="584775"/>
-              </a:xfrm>
-              <a:prstGeom prst="rect">
-                <a:avLst/>
-              </a:prstGeom>
-            </p:spPr>
-            <p:txBody>
-              <a:bodyPr wrap="square">
-                <a:spAutoFit/>
-              </a:bodyPr>
-              <a:lstStyle/>
-              <a:p>
-                <a14:m>
-                  <m:oMath xmlns:m="http://schemas.openxmlformats.org/officeDocument/2006/math">
-                    <m:sSub>
-                      <m:sSubPr>
-                        <m:ctrlPr>
-                          <a:rPr lang="en-US" sz="3200" b="0" i="1" smtClean="0">
-                            <a:solidFill>
-                              <a:srgbClr val="C00000"/>
-                            </a:solidFill>
-                            <a:latin typeface="Cambria Math" panose="02040503050406030204" pitchFamily="18" charset="0"/>
-                          </a:rPr>
-                        </m:ctrlPr>
-                      </m:sSubPr>
-                      <m:e>
-                        <m:r>
-                          <a:rPr lang="en-US" sz="3200" i="1" smtClean="0">
-                            <a:solidFill>
-                              <a:srgbClr val="C00000"/>
-                            </a:solidFill>
-                            <a:latin typeface="Cambria Math" panose="02040503050406030204" pitchFamily="18" charset="0"/>
-                          </a:rPr>
-                          <m:t>𝐹</m:t>
-                        </m:r>
-                      </m:e>
-                      <m:sub>
-                        <m:r>
-                          <a:rPr lang="en-US" sz="3200" b="0" i="1" smtClean="0">
-                            <a:solidFill>
-                              <a:srgbClr val="C00000"/>
-                            </a:solidFill>
-                            <a:latin typeface="Cambria Math" panose="02040503050406030204" pitchFamily="18" charset="0"/>
-                          </a:rPr>
-                          <m:t>0</m:t>
-                        </m:r>
-                      </m:sub>
-                    </m:sSub>
-                    <m:r>
-                      <a:rPr lang="en-US" sz="3200" b="0" i="1" smtClean="0">
-                        <a:solidFill>
-                          <a:srgbClr val="C00000"/>
-                        </a:solidFill>
-                        <a:latin typeface="Cambria Math" panose="02040503050406030204" pitchFamily="18" charset="0"/>
-                      </a:rPr>
-                      <m:t>=</m:t>
-                    </m:r>
-                  </m:oMath>
-                </a14:m>
-                <a:r>
-                  <a:rPr lang="en-US" sz="3200" i="1" dirty="0">
-                    <a:solidFill>
-                      <a:srgbClr val="C00000"/>
-                    </a:solidFill>
-                  </a:rPr>
-                  <a:t> </a:t>
-                </a:r>
-                <a14:m>
-                  <m:oMath xmlns:m="http://schemas.openxmlformats.org/officeDocument/2006/math">
-                    <m:r>
-                      <a:rPr lang="en-US" sz="3200" b="0" i="1" smtClean="0">
-                        <a:solidFill>
-                          <a:srgbClr val="C00000"/>
-                        </a:solidFill>
-                        <a:latin typeface="Cambria Math" panose="02040503050406030204" pitchFamily="18" charset="0"/>
-                      </a:rPr>
-                      <m:t>|{</m:t>
-                    </m:r>
-                    <m:r>
-                      <a:rPr lang="en-US" sz="3200" b="0" i="1" smtClean="0">
-                        <a:solidFill>
-                          <a:srgbClr val="C00000"/>
-                        </a:solidFill>
-                        <a:latin typeface="Cambria Math" panose="02040503050406030204" pitchFamily="18" charset="0"/>
-                      </a:rPr>
-                      <m:t>𝑖</m:t>
-                    </m:r>
-                    <m:r>
-                      <a:rPr lang="en-US" sz="3200" b="0" i="1" smtClean="0">
-                        <a:solidFill>
-                          <a:srgbClr val="C00000"/>
-                        </a:solidFill>
-                        <a:latin typeface="Cambria Math" panose="02040503050406030204" pitchFamily="18" charset="0"/>
-                      </a:rPr>
-                      <m:t> :</m:t>
-                    </m:r>
-                    <m:sSub>
-                      <m:sSubPr>
-                        <m:ctrlPr>
-                          <a:rPr lang="en-US" sz="3200" b="0" i="1" smtClean="0">
-                            <a:solidFill>
-                              <a:srgbClr val="C00000"/>
-                            </a:solidFill>
-                            <a:latin typeface="Cambria Math" panose="02040503050406030204" pitchFamily="18" charset="0"/>
-                          </a:rPr>
-                        </m:ctrlPr>
-                      </m:sSubPr>
-                      <m:e>
-                        <m:r>
-                          <a:rPr lang="en-US" sz="3200" b="0" i="1" smtClean="0">
-                            <a:solidFill>
-                              <a:srgbClr val="C00000"/>
-                            </a:solidFill>
-                            <a:latin typeface="Cambria Math" panose="02040503050406030204" pitchFamily="18" charset="0"/>
-                          </a:rPr>
-                          <m:t>𝑓</m:t>
-                        </m:r>
-                      </m:e>
-                      <m:sub>
-                        <m:r>
-                          <a:rPr lang="en-US" sz="3200" b="0" i="1" smtClean="0">
-                            <a:solidFill>
-                              <a:srgbClr val="C00000"/>
-                            </a:solidFill>
-                            <a:latin typeface="Cambria Math" panose="02040503050406030204" pitchFamily="18" charset="0"/>
-                          </a:rPr>
-                          <m:t>𝑖</m:t>
-                        </m:r>
-                      </m:sub>
-                    </m:sSub>
-                    <m:r>
-                      <a:rPr lang="en-US" sz="3200" b="0" i="1" smtClean="0">
-                        <a:solidFill>
-                          <a:srgbClr val="C00000"/>
-                        </a:solidFill>
-                        <a:latin typeface="Cambria Math" panose="02040503050406030204" pitchFamily="18" charset="0"/>
-                      </a:rPr>
-                      <m:t>≠0}|</m:t>
-                    </m:r>
-                  </m:oMath>
-                </a14:m>
-                <a:endParaRPr lang="en-US" sz="3200" dirty="0"/>
-              </a:p>
-            </p:txBody>
-          </p:sp>
-        </mc:Choice>
-        <mc:Fallback xmlns="">
-          <p:sp>
-            <p:nvSpPr>
-              <p:cNvPr id="6" name="Rectangle 5">
-                <a:extLst>
-                  <a:ext uri="{FF2B5EF4-FFF2-40B4-BE49-F238E27FC236}">
-                    <a16:creationId xmlns:a16="http://schemas.microsoft.com/office/drawing/2014/main" id="{B2FD8736-F162-41C2-9CE0-9BF3ADDC3736}"/>
-                  </a:ext>
-                </a:extLst>
-              </p:cNvPr>
-              <p:cNvSpPr>
-                <a:spLocks noRot="1" noChangeAspect="1" noMove="1" noResize="1" noEditPoints="1" noAdjustHandles="1" noChangeArrowheads="1" noChangeShapeType="1" noTextEdit="1"/>
-              </p:cNvSpPr>
-              <p:nvPr/>
-            </p:nvSpPr>
-            <p:spPr>
-              <a:xfrm>
-                <a:off x="3842774" y="3314798"/>
-                <a:ext cx="6253315" cy="584775"/>
-              </a:xfrm>
-              <a:prstGeom prst="rect">
-                <a:avLst/>
-              </a:prstGeom>
-              <a:blipFill>
-                <a:blip r:embed="rId4"/>
-                <a:stretch>
-                  <a:fillRect/>
-                </a:stretch>
-              </a:blipFill>
-            </p:spPr>
-            <p:txBody>
-              <a:bodyPr/>
-              <a:lstStyle/>
-              <a:p>
-                <a:r>
-                  <a:rPr lang="en-US">
-                    <a:noFill/>
-                  </a:rPr>
-                  <a:t> </a:t>
-                </a:r>
-              </a:p>
-            </p:txBody>
-          </p:sp>
-        </mc:Fallback>
-      </mc:AlternateContent>
-    </p:spTree>
-    <p:extLst>
-      <p:ext uri="{BB962C8B-B14F-4D97-AF65-F5344CB8AC3E}">
-        <p14:creationId xmlns:p14="http://schemas.microsoft.com/office/powerpoint/2010/main" val="648920410"/>
       </p:ext>
     </p:extLst>
   </p:cSld>
@@ -39121,6 +40170,914 @@
     <p:extLst>
       <p:ext uri="{BB962C8B-B14F-4D97-AF65-F5344CB8AC3E}">
         <p14:creationId xmlns:p14="http://schemas.microsoft.com/office/powerpoint/2010/main" val="2984152413"/>
+      </p:ext>
+    </p:extLst>
+  </p:cSld>
+  <p:clrMapOvr>
+    <a:masterClrMapping/>
+  </p:clrMapOvr>
+</p:sld>
+</file>
+
+<file path=ppt/slides/slide70.xml><?xml version="1.0" encoding="utf-8"?>
+<p:sld xmlns:a="http://schemas.openxmlformats.org/drawingml/2006/main" xmlns:r="http://schemas.openxmlformats.org/officeDocument/2006/relationships" xmlns:p="http://schemas.openxmlformats.org/presentationml/2006/main">
+  <p:cSld>
+    <p:spTree>
+      <p:nvGrpSpPr>
+        <p:cNvPr id="1" name=""/>
+        <p:cNvGrpSpPr/>
+        <p:nvPr/>
+      </p:nvGrpSpPr>
+      <p:grpSpPr>
+        <a:xfrm>
+          <a:off x="0" y="0"/>
+          <a:ext cx="0" cy="0"/>
+          <a:chOff x="0" y="0"/>
+          <a:chExt cx="0" cy="0"/>
+        </a:xfrm>
+      </p:grpSpPr>
+      <mc:AlternateContent xmlns:mc="http://schemas.openxmlformats.org/markup-compatibility/2006" xmlns:a14="http://schemas.microsoft.com/office/drawing/2010/main">
+        <mc:Choice Requires="a14">
+          <p:sp>
+            <p:nvSpPr>
+              <p:cNvPr id="2" name="Title 1">
+                <a:extLst>
+                  <a:ext uri="{FF2B5EF4-FFF2-40B4-BE49-F238E27FC236}">
+                    <a16:creationId xmlns:a16="http://schemas.microsoft.com/office/drawing/2014/main" id="{B17419AC-DCE6-4371-8DE2-D617E99D653D}"/>
+                  </a:ext>
+                </a:extLst>
+              </p:cNvPr>
+              <p:cNvSpPr>
+                <a:spLocks noGrp="1"/>
+              </p:cNvSpPr>
+              <p:nvPr>
+                <p:ph type="title"/>
+              </p:nvPr>
+            </p:nvSpPr>
+            <p:spPr/>
+            <p:txBody>
+              <a:bodyPr/>
+              <a:lstStyle/>
+              <a:p>
+                <a:r>
+                  <a:rPr lang="en-US" dirty="0">
+                    <a:solidFill>
+                      <a:srgbClr val="C00000"/>
+                    </a:solidFill>
+                  </a:rPr>
+                  <a:t>Distinct Elements (</a:t>
+                </a:r>
+                <a14:m>
+                  <m:oMath xmlns:m="http://schemas.openxmlformats.org/officeDocument/2006/math">
+                    <m:sSub>
+                      <m:sSubPr>
+                        <m:ctrlPr>
+                          <a:rPr lang="en-US" b="0" i="1" smtClean="0">
+                            <a:solidFill>
+                              <a:srgbClr val="C00000"/>
+                            </a:solidFill>
+                            <a:latin typeface="Cambria Math" panose="02040503050406030204" pitchFamily="18" charset="0"/>
+                          </a:rPr>
+                        </m:ctrlPr>
+                      </m:sSubPr>
+                      <m:e>
+                        <m:r>
+                          <a:rPr lang="en-US" b="0" i="1" smtClean="0">
+                            <a:solidFill>
+                              <a:srgbClr val="C00000"/>
+                            </a:solidFill>
+                            <a:latin typeface="Cambria Math" panose="02040503050406030204" pitchFamily="18" charset="0"/>
+                          </a:rPr>
+                          <m:t>𝐹</m:t>
+                        </m:r>
+                      </m:e>
+                      <m:sub>
+                        <m:r>
+                          <a:rPr lang="en-US" b="0" i="1" smtClean="0">
+                            <a:solidFill>
+                              <a:srgbClr val="C00000"/>
+                            </a:solidFill>
+                            <a:latin typeface="Cambria Math" panose="02040503050406030204" pitchFamily="18" charset="0"/>
+                          </a:rPr>
+                          <m:t>0</m:t>
+                        </m:r>
+                      </m:sub>
+                    </m:sSub>
+                  </m:oMath>
+                </a14:m>
+                <a:r>
+                  <a:rPr lang="en-US" dirty="0">
+                    <a:solidFill>
+                      <a:srgbClr val="C00000"/>
+                    </a:solidFill>
+                  </a:rPr>
+                  <a:t> Estimation)</a:t>
+                </a:r>
+              </a:p>
+            </p:txBody>
+          </p:sp>
+        </mc:Choice>
+        <mc:Fallback xmlns="">
+          <p:sp>
+            <p:nvSpPr>
+              <p:cNvPr id="2" name="Title 1">
+                <a:extLst>
+                  <a:ext uri="{FF2B5EF4-FFF2-40B4-BE49-F238E27FC236}">
+                    <a16:creationId xmlns:a16="http://schemas.microsoft.com/office/drawing/2014/main" id="{B17419AC-DCE6-4371-8DE2-D617E99D653D}"/>
+                  </a:ext>
+                </a:extLst>
+              </p:cNvPr>
+              <p:cNvSpPr>
+                <a:spLocks noGrp="1" noRot="1" noChangeAspect="1" noMove="1" noResize="1" noEditPoints="1" noAdjustHandles="1" noChangeArrowheads="1" noChangeShapeType="1" noTextEdit="1"/>
+              </p:cNvSpPr>
+              <p:nvPr>
+                <p:ph type="title"/>
+              </p:nvPr>
+            </p:nvSpPr>
+            <p:spPr>
+              <a:blipFill>
+                <a:blip r:embed="rId2"/>
+                <a:stretch>
+                  <a:fillRect l="-2377"/>
+                </a:stretch>
+              </a:blipFill>
+            </p:spPr>
+            <p:txBody>
+              <a:bodyPr/>
+              <a:lstStyle/>
+              <a:p>
+                <a:r>
+                  <a:rPr lang="en-US">
+                    <a:noFill/>
+                  </a:rPr>
+                  <a:t> </a:t>
+                </a:r>
+              </a:p>
+            </p:txBody>
+          </p:sp>
+        </mc:Fallback>
+      </mc:AlternateContent>
+      <mc:AlternateContent xmlns:mc="http://schemas.openxmlformats.org/markup-compatibility/2006" xmlns:a14="http://schemas.microsoft.com/office/drawing/2010/main">
+        <mc:Choice Requires="a14">
+          <p:sp>
+            <p:nvSpPr>
+              <p:cNvPr id="5" name="Content Placeholder 3">
+                <a:extLst>
+                  <a:ext uri="{FF2B5EF4-FFF2-40B4-BE49-F238E27FC236}">
+                    <a16:creationId xmlns:a16="http://schemas.microsoft.com/office/drawing/2014/main" id="{46EDD9D9-1338-4BC5-9D28-964A84C143C2}"/>
+                  </a:ext>
+                </a:extLst>
+              </p:cNvPr>
+              <p:cNvSpPr>
+                <a:spLocks noGrp="1"/>
+              </p:cNvSpPr>
+              <p:nvPr>
+                <p:ph idx="1"/>
+              </p:nvPr>
+            </p:nvSpPr>
+            <p:spPr>
+              <a:xfrm>
+                <a:off x="838200" y="1825625"/>
+                <a:ext cx="10242755" cy="4351338"/>
+              </a:xfrm>
+            </p:spPr>
+            <p:txBody>
+              <a:bodyPr>
+                <a:normAutofit/>
+              </a:bodyPr>
+              <a:lstStyle/>
+              <a:p>
+                <a:r>
+                  <a:rPr lang="en-US" dirty="0"/>
+                  <a:t>Given a set </a:t>
+                </a:r>
+                <a14:m>
+                  <m:oMath xmlns:m="http://schemas.openxmlformats.org/officeDocument/2006/math">
+                    <m:r>
+                      <a:rPr lang="en-US" i="1" smtClean="0">
+                        <a:solidFill>
+                          <a:srgbClr val="C00000"/>
+                        </a:solidFill>
+                        <a:latin typeface="Cambria Math" panose="02040503050406030204" pitchFamily="18" charset="0"/>
+                      </a:rPr>
+                      <m:t>𝑆</m:t>
+                    </m:r>
+                  </m:oMath>
+                </a14:m>
+                <a:r>
+                  <a:rPr lang="en-US" dirty="0"/>
+                  <a:t> of </a:t>
+                </a:r>
+                <a14:m>
+                  <m:oMath xmlns:m="http://schemas.openxmlformats.org/officeDocument/2006/math">
+                    <m:r>
+                      <a:rPr lang="en-US" i="1" smtClean="0">
+                        <a:solidFill>
+                          <a:srgbClr val="C00000"/>
+                        </a:solidFill>
+                        <a:latin typeface="Cambria Math" panose="02040503050406030204" pitchFamily="18" charset="0"/>
+                      </a:rPr>
+                      <m:t>𝑚</m:t>
+                    </m:r>
+                  </m:oMath>
+                </a14:m>
+                <a:r>
+                  <a:rPr lang="en-US" dirty="0"/>
+                  <a:t> elements from </a:t>
+                </a:r>
+                <a14:m>
+                  <m:oMath xmlns:m="http://schemas.openxmlformats.org/officeDocument/2006/math">
+                    <m:r>
+                      <a:rPr lang="en-US" i="1" smtClean="0">
+                        <a:solidFill>
+                          <a:srgbClr val="C00000"/>
+                        </a:solidFill>
+                        <a:latin typeface="Cambria Math" panose="02040503050406030204" pitchFamily="18" charset="0"/>
+                      </a:rPr>
+                      <m:t>[</m:t>
+                    </m:r>
+                    <m:r>
+                      <a:rPr lang="en-US" i="1" smtClean="0">
+                        <a:solidFill>
+                          <a:srgbClr val="C00000"/>
+                        </a:solidFill>
+                        <a:latin typeface="Cambria Math" panose="02040503050406030204" pitchFamily="18" charset="0"/>
+                      </a:rPr>
+                      <m:t>𝑛</m:t>
+                    </m:r>
+                    <m:r>
+                      <a:rPr lang="en-US" i="1" smtClean="0">
+                        <a:solidFill>
+                          <a:srgbClr val="C00000"/>
+                        </a:solidFill>
+                        <a:latin typeface="Cambria Math" panose="02040503050406030204" pitchFamily="18" charset="0"/>
+                      </a:rPr>
+                      <m:t>]</m:t>
+                    </m:r>
+                  </m:oMath>
+                </a14:m>
+                <a:r>
+                  <a:rPr lang="en-US" dirty="0"/>
+                  <a:t>, let </a:t>
+                </a:r>
+                <a14:m>
+                  <m:oMath xmlns:m="http://schemas.openxmlformats.org/officeDocument/2006/math">
+                    <m:sSub>
+                      <m:sSubPr>
+                        <m:ctrlPr>
+                          <a:rPr lang="en-US" b="0" i="1" smtClean="0">
+                            <a:solidFill>
+                              <a:srgbClr val="C00000"/>
+                            </a:solidFill>
+                            <a:latin typeface="Cambria Math" panose="02040503050406030204" pitchFamily="18" charset="0"/>
+                          </a:rPr>
+                        </m:ctrlPr>
+                      </m:sSubPr>
+                      <m:e>
+                        <m:r>
+                          <a:rPr lang="en-US" b="0" i="1" smtClean="0">
+                            <a:solidFill>
+                              <a:srgbClr val="C00000"/>
+                            </a:solidFill>
+                            <a:latin typeface="Cambria Math" panose="02040503050406030204" pitchFamily="18" charset="0"/>
+                          </a:rPr>
+                          <m:t>𝑓</m:t>
+                        </m:r>
+                      </m:e>
+                      <m:sub>
+                        <m:r>
+                          <a:rPr lang="en-US" b="0" i="1" smtClean="0">
+                            <a:solidFill>
+                              <a:srgbClr val="C00000"/>
+                            </a:solidFill>
+                            <a:latin typeface="Cambria Math" panose="02040503050406030204" pitchFamily="18" charset="0"/>
+                          </a:rPr>
+                          <m:t>𝑖</m:t>
+                        </m:r>
+                      </m:sub>
+                    </m:sSub>
+                  </m:oMath>
+                </a14:m>
+                <a:r>
+                  <a:rPr lang="en-US" dirty="0">
+                    <a:solidFill>
+                      <a:srgbClr val="C00000"/>
+                    </a:solidFill>
+                  </a:rPr>
+                  <a:t> </a:t>
+                </a:r>
+                <a:r>
+                  <a:rPr lang="en-US" dirty="0">
+                    <a:solidFill>
+                      <a:schemeClr val="tx1"/>
+                    </a:solidFill>
+                  </a:rPr>
+                  <a:t>be the frequency of element </a:t>
+                </a:r>
+                <a14:m>
+                  <m:oMath xmlns:m="http://schemas.openxmlformats.org/officeDocument/2006/math">
+                    <m:r>
+                      <a:rPr lang="en-US" b="0" i="1" smtClean="0">
+                        <a:solidFill>
+                          <a:srgbClr val="C00000"/>
+                        </a:solidFill>
+                        <a:latin typeface="Cambria Math" panose="02040503050406030204" pitchFamily="18" charset="0"/>
+                      </a:rPr>
+                      <m:t>𝑖</m:t>
+                    </m:r>
+                  </m:oMath>
+                </a14:m>
+                <a:r>
+                  <a:rPr lang="en-US" dirty="0">
+                    <a:solidFill>
+                      <a:schemeClr val="tx1"/>
+                    </a:solidFill>
+                  </a:rPr>
+                  <a:t>. (How often it appears)</a:t>
+                </a:r>
+              </a:p>
+              <a:p>
+                <a:pPr>
+                  <a:buClr>
+                    <a:schemeClr val="tx1"/>
+                  </a:buClr>
+                </a:pPr>
+                <a:r>
+                  <a:rPr lang="en-US" dirty="0">
+                    <a:solidFill>
+                      <a:schemeClr val="tx1"/>
+                    </a:solidFill>
+                  </a:rPr>
+                  <a:t>Let </a:t>
+                </a:r>
+                <a14:m>
+                  <m:oMath xmlns:m="http://schemas.openxmlformats.org/officeDocument/2006/math">
+                    <m:sSub>
+                      <m:sSubPr>
+                        <m:ctrlPr>
+                          <a:rPr lang="en-US" b="0" i="1" smtClean="0">
+                            <a:solidFill>
+                              <a:srgbClr val="C00000"/>
+                            </a:solidFill>
+                            <a:latin typeface="Cambria Math" panose="02040503050406030204" pitchFamily="18" charset="0"/>
+                          </a:rPr>
+                        </m:ctrlPr>
+                      </m:sSubPr>
+                      <m:e>
+                        <m:r>
+                          <a:rPr lang="en-US" b="0" i="1" smtClean="0">
+                            <a:solidFill>
+                              <a:srgbClr val="C00000"/>
+                            </a:solidFill>
+                            <a:latin typeface="Cambria Math" panose="02040503050406030204" pitchFamily="18" charset="0"/>
+                          </a:rPr>
+                          <m:t>𝐹</m:t>
+                        </m:r>
+                      </m:e>
+                      <m:sub>
+                        <m:r>
+                          <a:rPr lang="en-US" b="0" i="1" smtClean="0">
+                            <a:solidFill>
+                              <a:srgbClr val="C00000"/>
+                            </a:solidFill>
+                            <a:latin typeface="Cambria Math" panose="02040503050406030204" pitchFamily="18" charset="0"/>
+                          </a:rPr>
+                          <m:t>0</m:t>
+                        </m:r>
+                      </m:sub>
+                    </m:sSub>
+                  </m:oMath>
+                </a14:m>
+                <a:r>
+                  <a:rPr lang="en-US" dirty="0"/>
+                  <a:t> be the frequency moment of the vector:</a:t>
+                </a:r>
+              </a:p>
+              <a:p>
+                <a:pPr lvl="1">
+                  <a:buClr>
+                    <a:schemeClr val="tx1"/>
+                  </a:buClr>
+                </a:pPr>
+                <a:endParaRPr lang="en-US" dirty="0">
+                  <a:solidFill>
+                    <a:schemeClr val="tx1"/>
+                  </a:solidFill>
+                </a:endParaRPr>
+              </a:p>
+              <a:p>
+                <a:pPr lvl="1">
+                  <a:buClr>
+                    <a:schemeClr val="tx1"/>
+                  </a:buClr>
+                </a:pPr>
+                <a:endParaRPr lang="en-US" dirty="0"/>
+              </a:p>
+              <a:p>
+                <a:pPr lvl="1">
+                  <a:buClr>
+                    <a:schemeClr val="tx1"/>
+                  </a:buClr>
+                </a:pPr>
+                <a:endParaRPr lang="en-US" dirty="0">
+                  <a:solidFill>
+                    <a:schemeClr val="tx1"/>
+                  </a:solidFill>
+                </a:endParaRPr>
+              </a:p>
+              <a:p>
+                <a:pPr>
+                  <a:buClr>
+                    <a:schemeClr val="tx1"/>
+                  </a:buClr>
+                </a:pPr>
+                <a:r>
+                  <a:rPr lang="en-US" dirty="0">
+                    <a:solidFill>
+                      <a:srgbClr val="00B050"/>
+                    </a:solidFill>
+                  </a:rPr>
+                  <a:t>Goal</a:t>
+                </a:r>
+                <a:r>
+                  <a:rPr lang="en-US" dirty="0"/>
+                  <a:t>: </a:t>
+                </a:r>
+                <a:r>
+                  <a:rPr lang="en-US" dirty="0">
+                    <a:solidFill>
+                      <a:schemeClr val="tx1"/>
+                    </a:solidFill>
+                  </a:rPr>
+                  <a:t>Given a set </a:t>
+                </a:r>
+                <a14:m>
+                  <m:oMath xmlns:m="http://schemas.openxmlformats.org/officeDocument/2006/math">
+                    <m:r>
+                      <a:rPr lang="en-US" b="0" i="1" smtClean="0">
+                        <a:solidFill>
+                          <a:srgbClr val="C00000"/>
+                        </a:solidFill>
+                        <a:latin typeface="Cambria Math" panose="02040503050406030204" pitchFamily="18" charset="0"/>
+                      </a:rPr>
+                      <m:t>𝑆</m:t>
+                    </m:r>
+                  </m:oMath>
+                </a14:m>
+                <a:r>
+                  <a:rPr lang="en-US" dirty="0">
+                    <a:solidFill>
+                      <a:schemeClr val="tx1"/>
+                    </a:solidFill>
+                  </a:rPr>
+                  <a:t> of </a:t>
+                </a:r>
+                <a14:m>
+                  <m:oMath xmlns:m="http://schemas.openxmlformats.org/officeDocument/2006/math">
+                    <m:r>
+                      <a:rPr lang="en-US" b="0" i="1" smtClean="0">
+                        <a:solidFill>
+                          <a:srgbClr val="C00000"/>
+                        </a:solidFill>
+                        <a:latin typeface="Cambria Math" panose="02040503050406030204" pitchFamily="18" charset="0"/>
+                      </a:rPr>
+                      <m:t>𝑚</m:t>
+                    </m:r>
+                  </m:oMath>
+                </a14:m>
+                <a:r>
+                  <a:rPr lang="en-US" dirty="0">
+                    <a:solidFill>
+                      <a:schemeClr val="tx1"/>
+                    </a:solidFill>
+                  </a:rPr>
+                  <a:t> elements from </a:t>
+                </a:r>
+                <a14:m>
+                  <m:oMath xmlns:m="http://schemas.openxmlformats.org/officeDocument/2006/math">
+                    <m:r>
+                      <a:rPr lang="en-US" b="0" i="1" smtClean="0">
+                        <a:solidFill>
+                          <a:srgbClr val="C00000"/>
+                        </a:solidFill>
+                        <a:latin typeface="Cambria Math" panose="02040503050406030204" pitchFamily="18" charset="0"/>
+                      </a:rPr>
+                      <m:t>[</m:t>
+                    </m:r>
+                    <m:r>
+                      <a:rPr lang="en-US" b="0" i="1" smtClean="0">
+                        <a:solidFill>
+                          <a:srgbClr val="C00000"/>
+                        </a:solidFill>
+                        <a:latin typeface="Cambria Math" panose="02040503050406030204" pitchFamily="18" charset="0"/>
+                      </a:rPr>
+                      <m:t>𝑛</m:t>
+                    </m:r>
+                    <m:r>
+                      <a:rPr lang="en-US" b="0" i="1" smtClean="0">
+                        <a:solidFill>
+                          <a:srgbClr val="C00000"/>
+                        </a:solidFill>
+                        <a:latin typeface="Cambria Math" panose="02040503050406030204" pitchFamily="18" charset="0"/>
+                      </a:rPr>
+                      <m:t>]</m:t>
+                    </m:r>
+                  </m:oMath>
+                </a14:m>
+                <a:r>
+                  <a:rPr lang="en-US" dirty="0">
+                    <a:solidFill>
+                      <a:srgbClr val="C00000"/>
+                    </a:solidFill>
+                  </a:rPr>
+                  <a:t> </a:t>
+                </a:r>
+                <a:r>
+                  <a:rPr lang="en-US" dirty="0">
+                    <a:solidFill>
+                      <a:schemeClr val="tx1"/>
+                    </a:solidFill>
+                  </a:rPr>
+                  <a:t>and an accuracy parameter </a:t>
+                </a:r>
+                <a14:m>
+                  <m:oMath xmlns:m="http://schemas.openxmlformats.org/officeDocument/2006/math">
+                    <m:r>
+                      <a:rPr lang="en-US" b="0" i="1" smtClean="0">
+                        <a:solidFill>
+                          <a:srgbClr val="C00000"/>
+                        </a:solidFill>
+                        <a:latin typeface="Cambria Math" panose="02040503050406030204" pitchFamily="18" charset="0"/>
+                      </a:rPr>
+                      <m:t>𝜀</m:t>
+                    </m:r>
+                  </m:oMath>
+                </a14:m>
+                <a:r>
+                  <a:rPr lang="en-US" dirty="0">
+                    <a:solidFill>
+                      <a:schemeClr val="tx1"/>
+                    </a:solidFill>
+                  </a:rPr>
+                  <a:t>, output a </a:t>
+                </a:r>
+                <a14:m>
+                  <m:oMath xmlns:m="http://schemas.openxmlformats.org/officeDocument/2006/math">
+                    <m:r>
+                      <a:rPr lang="en-US" b="0" i="0" smtClean="0">
+                        <a:solidFill>
+                          <a:srgbClr val="C00000"/>
+                        </a:solidFill>
+                        <a:latin typeface="Cambria Math" panose="02040503050406030204" pitchFamily="18" charset="0"/>
+                      </a:rPr>
+                      <m:t>(1+</m:t>
+                    </m:r>
+                    <m:r>
+                      <a:rPr lang="en-US" i="1" smtClean="0">
+                        <a:solidFill>
+                          <a:srgbClr val="C00000"/>
+                        </a:solidFill>
+                        <a:latin typeface="Cambria Math" panose="02040503050406030204" pitchFamily="18" charset="0"/>
+                      </a:rPr>
+                      <m:t>𝜀</m:t>
+                    </m:r>
+                    <m:r>
+                      <a:rPr lang="en-US" b="0" i="1" smtClean="0">
+                        <a:solidFill>
+                          <a:srgbClr val="C00000"/>
+                        </a:solidFill>
+                        <a:latin typeface="Cambria Math" panose="02040503050406030204" pitchFamily="18" charset="0"/>
+                      </a:rPr>
+                      <m:t>)</m:t>
+                    </m:r>
+                  </m:oMath>
+                </a14:m>
+                <a:r>
+                  <a:rPr lang="en-US" dirty="0">
+                    <a:solidFill>
+                      <a:schemeClr val="tx1"/>
+                    </a:solidFill>
+                  </a:rPr>
+                  <a:t>-approximation to </a:t>
+                </a:r>
+                <a14:m>
+                  <m:oMath xmlns:m="http://schemas.openxmlformats.org/officeDocument/2006/math">
+                    <m:sSub>
+                      <m:sSubPr>
+                        <m:ctrlPr>
+                          <a:rPr lang="en-US" i="1">
+                            <a:solidFill>
+                              <a:srgbClr val="C00000"/>
+                            </a:solidFill>
+                            <a:latin typeface="Cambria Math" panose="02040503050406030204" pitchFamily="18" charset="0"/>
+                          </a:rPr>
+                        </m:ctrlPr>
+                      </m:sSubPr>
+                      <m:e>
+                        <m:r>
+                          <a:rPr lang="en-US" i="1">
+                            <a:solidFill>
+                              <a:srgbClr val="C00000"/>
+                            </a:solidFill>
+                            <a:latin typeface="Cambria Math" panose="02040503050406030204" pitchFamily="18" charset="0"/>
+                          </a:rPr>
+                          <m:t>𝐹</m:t>
+                        </m:r>
+                      </m:e>
+                      <m:sub>
+                        <m:r>
+                          <a:rPr lang="en-US" b="0" i="1" smtClean="0">
+                            <a:solidFill>
+                              <a:srgbClr val="C00000"/>
+                            </a:solidFill>
+                            <a:latin typeface="Cambria Math" panose="02040503050406030204" pitchFamily="18" charset="0"/>
+                          </a:rPr>
+                          <m:t>0</m:t>
+                        </m:r>
+                      </m:sub>
+                    </m:sSub>
+                  </m:oMath>
+                </a14:m>
+                <a:endParaRPr lang="en-US" dirty="0"/>
+              </a:p>
+              <a:p>
+                <a:pPr>
+                  <a:buClr>
+                    <a:schemeClr val="tx1"/>
+                  </a:buClr>
+                </a:pPr>
+                <a:r>
+                  <a:rPr lang="en-US" dirty="0">
+                    <a:solidFill>
+                      <a:srgbClr val="00B050"/>
+                    </a:solidFill>
+                  </a:rPr>
+                  <a:t>Motivation</a:t>
+                </a:r>
+                <a:r>
+                  <a:rPr lang="en-US" dirty="0"/>
+                  <a:t>: Traffic monitoring</a:t>
+                </a:r>
+              </a:p>
+            </p:txBody>
+          </p:sp>
+        </mc:Choice>
+        <mc:Fallback xmlns="">
+          <p:sp>
+            <p:nvSpPr>
+              <p:cNvPr id="5" name="Content Placeholder 3">
+                <a:extLst>
+                  <a:ext uri="{FF2B5EF4-FFF2-40B4-BE49-F238E27FC236}">
+                    <a16:creationId xmlns:a16="http://schemas.microsoft.com/office/drawing/2014/main" id="{46EDD9D9-1338-4BC5-9D28-964A84C143C2}"/>
+                  </a:ext>
+                </a:extLst>
+              </p:cNvPr>
+              <p:cNvSpPr>
+                <a:spLocks noGrp="1" noRot="1" noChangeAspect="1" noMove="1" noResize="1" noEditPoints="1" noAdjustHandles="1" noChangeArrowheads="1" noChangeShapeType="1" noTextEdit="1"/>
+              </p:cNvSpPr>
+              <p:nvPr>
+                <p:ph idx="1"/>
+              </p:nvPr>
+            </p:nvSpPr>
+            <p:spPr>
+              <a:xfrm>
+                <a:off x="838200" y="1825625"/>
+                <a:ext cx="10242755" cy="4351338"/>
+              </a:xfrm>
+              <a:blipFill>
+                <a:blip r:embed="rId3"/>
+                <a:stretch>
+                  <a:fillRect l="-1071" t="-2241"/>
+                </a:stretch>
+              </a:blipFill>
+            </p:spPr>
+            <p:txBody>
+              <a:bodyPr/>
+              <a:lstStyle/>
+              <a:p>
+                <a:r>
+                  <a:rPr lang="en-US">
+                    <a:noFill/>
+                  </a:rPr>
+                  <a:t> </a:t>
+                </a:r>
+              </a:p>
+            </p:txBody>
+          </p:sp>
+        </mc:Fallback>
+      </mc:AlternateContent>
+      <mc:AlternateContent xmlns:mc="http://schemas.openxmlformats.org/markup-compatibility/2006" xmlns:a14="http://schemas.microsoft.com/office/drawing/2010/main">
+        <mc:Choice Requires="a14">
+          <p:sp>
+            <p:nvSpPr>
+              <p:cNvPr id="6" name="Rectangle 5">
+                <a:extLst>
+                  <a:ext uri="{FF2B5EF4-FFF2-40B4-BE49-F238E27FC236}">
+                    <a16:creationId xmlns:a16="http://schemas.microsoft.com/office/drawing/2014/main" id="{B2FD8736-F162-41C2-9CE0-9BF3ADDC3736}"/>
+                  </a:ext>
+                </a:extLst>
+              </p:cNvPr>
+              <p:cNvSpPr/>
+              <p:nvPr/>
+            </p:nvSpPr>
+            <p:spPr>
+              <a:xfrm>
+                <a:off x="3842774" y="3314798"/>
+                <a:ext cx="6253315" cy="584775"/>
+              </a:xfrm>
+              <a:prstGeom prst="rect">
+                <a:avLst/>
+              </a:prstGeom>
+            </p:spPr>
+            <p:txBody>
+              <a:bodyPr wrap="square">
+                <a:spAutoFit/>
+              </a:bodyPr>
+              <a:lstStyle/>
+              <a:p>
+                <a14:m>
+                  <m:oMath xmlns:m="http://schemas.openxmlformats.org/officeDocument/2006/math">
+                    <m:sSub>
+                      <m:sSubPr>
+                        <m:ctrlPr>
+                          <a:rPr lang="en-US" sz="3200" b="0" i="1" smtClean="0">
+                            <a:solidFill>
+                              <a:srgbClr val="C00000"/>
+                            </a:solidFill>
+                            <a:latin typeface="Cambria Math" panose="02040503050406030204" pitchFamily="18" charset="0"/>
+                          </a:rPr>
+                        </m:ctrlPr>
+                      </m:sSubPr>
+                      <m:e>
+                        <m:r>
+                          <a:rPr lang="en-US" sz="3200" i="1" smtClean="0">
+                            <a:solidFill>
+                              <a:srgbClr val="C00000"/>
+                            </a:solidFill>
+                            <a:latin typeface="Cambria Math" panose="02040503050406030204" pitchFamily="18" charset="0"/>
+                          </a:rPr>
+                          <m:t>𝐹</m:t>
+                        </m:r>
+                      </m:e>
+                      <m:sub>
+                        <m:r>
+                          <a:rPr lang="en-US" sz="3200" b="0" i="1" smtClean="0">
+                            <a:solidFill>
+                              <a:srgbClr val="C00000"/>
+                            </a:solidFill>
+                            <a:latin typeface="Cambria Math" panose="02040503050406030204" pitchFamily="18" charset="0"/>
+                          </a:rPr>
+                          <m:t>0</m:t>
+                        </m:r>
+                      </m:sub>
+                    </m:sSub>
+                    <m:r>
+                      <a:rPr lang="en-US" sz="3200" b="0" i="1" smtClean="0">
+                        <a:solidFill>
+                          <a:srgbClr val="C00000"/>
+                        </a:solidFill>
+                        <a:latin typeface="Cambria Math" panose="02040503050406030204" pitchFamily="18" charset="0"/>
+                      </a:rPr>
+                      <m:t>=</m:t>
+                    </m:r>
+                  </m:oMath>
+                </a14:m>
+                <a:r>
+                  <a:rPr lang="en-US" sz="3200" i="1" dirty="0">
+                    <a:solidFill>
+                      <a:srgbClr val="C00000"/>
+                    </a:solidFill>
+                  </a:rPr>
+                  <a:t> </a:t>
+                </a:r>
+                <a14:m>
+                  <m:oMath xmlns:m="http://schemas.openxmlformats.org/officeDocument/2006/math">
+                    <m:r>
+                      <a:rPr lang="en-US" sz="3200" b="0" i="1" smtClean="0">
+                        <a:solidFill>
+                          <a:srgbClr val="C00000"/>
+                        </a:solidFill>
+                        <a:latin typeface="Cambria Math" panose="02040503050406030204" pitchFamily="18" charset="0"/>
+                      </a:rPr>
+                      <m:t>|{</m:t>
+                    </m:r>
+                    <m:r>
+                      <a:rPr lang="en-US" sz="3200" b="0" i="1" smtClean="0">
+                        <a:solidFill>
+                          <a:srgbClr val="C00000"/>
+                        </a:solidFill>
+                        <a:latin typeface="Cambria Math" panose="02040503050406030204" pitchFamily="18" charset="0"/>
+                      </a:rPr>
+                      <m:t>𝑖</m:t>
+                    </m:r>
+                    <m:r>
+                      <a:rPr lang="en-US" sz="3200" b="0" i="1" smtClean="0">
+                        <a:solidFill>
+                          <a:srgbClr val="C00000"/>
+                        </a:solidFill>
+                        <a:latin typeface="Cambria Math" panose="02040503050406030204" pitchFamily="18" charset="0"/>
+                      </a:rPr>
+                      <m:t> :</m:t>
+                    </m:r>
+                    <m:sSub>
+                      <m:sSubPr>
+                        <m:ctrlPr>
+                          <a:rPr lang="en-US" sz="3200" b="0" i="1" smtClean="0">
+                            <a:solidFill>
+                              <a:srgbClr val="C00000"/>
+                            </a:solidFill>
+                            <a:latin typeface="Cambria Math" panose="02040503050406030204" pitchFamily="18" charset="0"/>
+                          </a:rPr>
+                        </m:ctrlPr>
+                      </m:sSubPr>
+                      <m:e>
+                        <m:r>
+                          <a:rPr lang="en-US" sz="3200" b="0" i="1" smtClean="0">
+                            <a:solidFill>
+                              <a:srgbClr val="C00000"/>
+                            </a:solidFill>
+                            <a:latin typeface="Cambria Math" panose="02040503050406030204" pitchFamily="18" charset="0"/>
+                          </a:rPr>
+                          <m:t>𝑓</m:t>
+                        </m:r>
+                      </m:e>
+                      <m:sub>
+                        <m:r>
+                          <a:rPr lang="en-US" sz="3200" b="0" i="1" smtClean="0">
+                            <a:solidFill>
+                              <a:srgbClr val="C00000"/>
+                            </a:solidFill>
+                            <a:latin typeface="Cambria Math" panose="02040503050406030204" pitchFamily="18" charset="0"/>
+                          </a:rPr>
+                          <m:t>𝑖</m:t>
+                        </m:r>
+                      </m:sub>
+                    </m:sSub>
+                    <m:r>
+                      <a:rPr lang="en-US" sz="3200" b="0" i="1" smtClean="0">
+                        <a:solidFill>
+                          <a:srgbClr val="C00000"/>
+                        </a:solidFill>
+                        <a:latin typeface="Cambria Math" panose="02040503050406030204" pitchFamily="18" charset="0"/>
+                      </a:rPr>
+                      <m:t>≠0}|</m:t>
+                    </m:r>
+                  </m:oMath>
+                </a14:m>
+                <a:endParaRPr lang="en-US" sz="3200" dirty="0"/>
+              </a:p>
+            </p:txBody>
+          </p:sp>
+        </mc:Choice>
+        <mc:Fallback xmlns="">
+          <p:sp>
+            <p:nvSpPr>
+              <p:cNvPr id="6" name="Rectangle 5">
+                <a:extLst>
+                  <a:ext uri="{FF2B5EF4-FFF2-40B4-BE49-F238E27FC236}">
+                    <a16:creationId xmlns:a16="http://schemas.microsoft.com/office/drawing/2014/main" id="{B2FD8736-F162-41C2-9CE0-9BF3ADDC3736}"/>
+                  </a:ext>
+                </a:extLst>
+              </p:cNvPr>
+              <p:cNvSpPr>
+                <a:spLocks noRot="1" noChangeAspect="1" noMove="1" noResize="1" noEditPoints="1" noAdjustHandles="1" noChangeArrowheads="1" noChangeShapeType="1" noTextEdit="1"/>
+              </p:cNvSpPr>
+              <p:nvPr/>
+            </p:nvSpPr>
+            <p:spPr>
+              <a:xfrm>
+                <a:off x="3842774" y="3314798"/>
+                <a:ext cx="6253315" cy="584775"/>
+              </a:xfrm>
+              <a:prstGeom prst="rect">
+                <a:avLst/>
+              </a:prstGeom>
+              <a:blipFill>
+                <a:blip r:embed="rId4"/>
+                <a:stretch>
+                  <a:fillRect/>
+                </a:stretch>
+              </a:blipFill>
+            </p:spPr>
+            <p:txBody>
+              <a:bodyPr/>
+              <a:lstStyle/>
+              <a:p>
+                <a:r>
+                  <a:rPr lang="en-US">
+                    <a:noFill/>
+                  </a:rPr>
+                  <a:t> </a:t>
+                </a:r>
+              </a:p>
+            </p:txBody>
+          </p:sp>
+        </mc:Fallback>
+      </mc:AlternateContent>
+    </p:spTree>
+    <p:extLst>
+      <p:ext uri="{BB962C8B-B14F-4D97-AF65-F5344CB8AC3E}">
+        <p14:creationId xmlns:p14="http://schemas.microsoft.com/office/powerpoint/2010/main" val="648920410"/>
       </p:ext>
     </p:extLst>
   </p:cSld>
